--- a/Apresentação.pptx
+++ b/Apresentação.pptx
@@ -260,7 +260,7 @@
           <a:bodyPr lIns="0" rIns="0" tIns="0" bIns="0" anchor="b"/>
           <a:p>
             <a:pPr algn="r"/>
-            <a:fld id="{3B22D66A-5165-42B3-ACBA-63DA7C9B83B1}" type="slidenum">
+            <a:fld id="{EA6070BE-9868-4CBD-AAEF-00E1840B19BB}" type="slidenum">
               <a:rPr b="0" lang="pt-BR" sz="1400" spc="-1" strike="noStrike">
                 <a:latin typeface="Times New Roman"/>
               </a:rPr>
@@ -376,7 +376,7 @@
                 <a:spcPct val="100000"/>
               </a:lnSpc>
             </a:pPr>
-            <a:fld id="{420A641A-7E68-4A52-B909-633856472223}" type="slidenum">
+            <a:fld id="{F85BCF8F-1333-4C61-AFE7-542C632CFBBA}" type="slidenum">
               <a:rPr b="0" lang="pt-BR" sz="1200" spc="-1" strike="noStrike">
                 <a:solidFill>
                   <a:srgbClr val="000000"/>
@@ -596,7 +596,7 @@
                 <a:spcPct val="100000"/>
               </a:lnSpc>
             </a:pPr>
-            <a:fld id="{E61155CE-9742-4C9B-BAB8-5ECCB0EC6FD7}" type="slidenum">
+            <a:fld id="{C9DBF8A9-AB71-4BC3-BD06-5E39F58BC6EC}" type="slidenum">
               <a:rPr b="0" lang="pt-BR" sz="1200" spc="-1" strike="noStrike">
                 <a:solidFill>
                   <a:srgbClr val="000000"/>
@@ -816,7 +816,7 @@
                 <a:spcPct val="100000"/>
               </a:lnSpc>
             </a:pPr>
-            <a:fld id="{42BCF5EC-9518-42A4-81D6-9E9E595E2D83}" type="slidenum">
+            <a:fld id="{D0AF78E9-C3AA-4FF7-9647-F17125B1426C}" type="slidenum">
               <a:rPr b="0" lang="pt-BR" sz="1200" spc="-1" strike="noStrike">
                 <a:solidFill>
                   <a:srgbClr val="000000"/>
@@ -1036,7 +1036,7 @@
                 <a:spcPct val="100000"/>
               </a:lnSpc>
             </a:pPr>
-            <a:fld id="{C685FF93-3909-4830-B5C7-5C423EA0C4CC}" type="slidenum">
+            <a:fld id="{84B07DEB-2FEC-4613-9B30-B33FC4793BB3}" type="slidenum">
               <a:rPr b="0" lang="pt-BR" sz="1200" spc="-1" strike="noStrike">
                 <a:solidFill>
                   <a:srgbClr val="000000"/>
@@ -1256,7 +1256,7 @@
                 <a:spcPct val="100000"/>
               </a:lnSpc>
             </a:pPr>
-            <a:fld id="{E3A5C03E-A35D-4708-BFE1-1366A261157F}" type="slidenum">
+            <a:fld id="{3B7819F9-8268-4454-908A-B67BBE411E9F}" type="slidenum">
               <a:rPr b="0" lang="pt-BR" sz="1200" spc="-1" strike="noStrike">
                 <a:solidFill>
                   <a:srgbClr val="000000"/>
@@ -1476,7 +1476,7 @@
                 <a:spcPct val="100000"/>
               </a:lnSpc>
             </a:pPr>
-            <a:fld id="{B5D4657B-B002-4C8B-A4C1-BA9498AF6617}" type="slidenum">
+            <a:fld id="{8748FED7-1A90-489A-8038-3495FB96C040}" type="slidenum">
               <a:rPr b="0" lang="pt-BR" sz="1200" spc="-1" strike="noStrike">
                 <a:solidFill>
                   <a:srgbClr val="000000"/>
@@ -1696,7 +1696,7 @@
                 <a:spcPct val="100000"/>
               </a:lnSpc>
             </a:pPr>
-            <a:fld id="{6C3DBDBC-2439-4F54-B55C-5C5F39A88B28}" type="slidenum">
+            <a:fld id="{881082F7-5280-45BC-85D6-9761C1BD458A}" type="slidenum">
               <a:rPr b="0" lang="pt-BR" sz="1200" spc="-1" strike="noStrike">
                 <a:solidFill>
                   <a:srgbClr val="000000"/>
@@ -1916,7 +1916,7 @@
                 <a:spcPct val="100000"/>
               </a:lnSpc>
             </a:pPr>
-            <a:fld id="{91EE5226-6125-4C77-B1E7-89F6E3298DD5}" type="slidenum">
+            <a:fld id="{097C47FA-E9E3-4348-950D-E8BF802230BC}" type="slidenum">
               <a:rPr b="0" lang="pt-BR" sz="1200" spc="-1" strike="noStrike">
                 <a:solidFill>
                   <a:srgbClr val="000000"/>
@@ -2136,7 +2136,7 @@
                 <a:spcPct val="100000"/>
               </a:lnSpc>
             </a:pPr>
-            <a:fld id="{B14235D5-F7D3-4E9A-9B3A-41655D92B278}" type="slidenum">
+            <a:fld id="{2EDEF0BE-62A6-445F-A699-C8CA2EE42C34}" type="slidenum">
               <a:rPr b="0" lang="pt-BR" sz="1200" spc="-1" strike="noStrike">
                 <a:solidFill>
                   <a:srgbClr val="000000"/>
@@ -2356,7 +2356,7 @@
                 <a:spcPct val="100000"/>
               </a:lnSpc>
             </a:pPr>
-            <a:fld id="{3D956780-F4C9-4147-87D9-7F4DC7C3F16B}" type="slidenum">
+            <a:fld id="{7C8A1110-99CA-4027-9694-4B1401C67076}" type="slidenum">
               <a:rPr b="0" lang="pt-BR" sz="1200" spc="-1" strike="noStrike">
                 <a:solidFill>
                   <a:srgbClr val="000000"/>
@@ -2576,7 +2576,7 @@
                 <a:spcPct val="100000"/>
               </a:lnSpc>
             </a:pPr>
-            <a:fld id="{68C74363-6639-4F51-BF3B-F53BED287406}" type="slidenum">
+            <a:fld id="{A8157F1F-7575-49FD-AE6E-EDF13221AA98}" type="slidenum">
               <a:rPr b="0" lang="pt-BR" sz="1200" spc="-1" strike="noStrike">
                 <a:solidFill>
                   <a:srgbClr val="000000"/>
@@ -2796,7 +2796,7 @@
                 <a:spcPct val="100000"/>
               </a:lnSpc>
             </a:pPr>
-            <a:fld id="{452061A0-BB35-4DC4-A9FB-35926F36CDC1}" type="slidenum">
+            <a:fld id="{EDC9F61C-916A-4BD9-8E61-1AA8D5E91090}" type="slidenum">
               <a:rPr b="0" lang="pt-BR" sz="1200" spc="-1" strike="noStrike">
                 <a:solidFill>
                   <a:srgbClr val="000000"/>
@@ -3016,7 +3016,7 @@
                 <a:spcPct val="100000"/>
               </a:lnSpc>
             </a:pPr>
-            <a:fld id="{4417A3FE-5061-46EF-BC8A-C66BB4342446}" type="slidenum">
+            <a:fld id="{9A4867BE-CCD3-4A6E-97CC-58C4153B0D2D}" type="slidenum">
               <a:rPr b="0" lang="pt-BR" sz="1200" spc="-1" strike="noStrike">
                 <a:solidFill>
                   <a:srgbClr val="000000"/>
@@ -3236,7 +3236,7 @@
                 <a:spcPct val="100000"/>
               </a:lnSpc>
             </a:pPr>
-            <a:fld id="{17A8345D-BEDF-4CF5-BB3F-552938AE9507}" type="slidenum">
+            <a:fld id="{D4692C4B-D95E-43D6-AD85-C927CA1DC3EB}" type="slidenum">
               <a:rPr b="0" lang="pt-BR" sz="1200" spc="-1" strike="noStrike">
                 <a:solidFill>
                   <a:srgbClr val="000000"/>
@@ -3456,7 +3456,7 @@
                 <a:spcPct val="100000"/>
               </a:lnSpc>
             </a:pPr>
-            <a:fld id="{7D817ADE-EBD2-4E27-9263-D8E302A5D84F}" type="slidenum">
+            <a:fld id="{80EA20AF-3EC2-4308-A4FA-BA64716BB511}" type="slidenum">
               <a:rPr b="0" lang="pt-BR" sz="1200" spc="-1" strike="noStrike">
                 <a:solidFill>
                   <a:srgbClr val="000000"/>
@@ -3676,7 +3676,7 @@
                 <a:spcPct val="100000"/>
               </a:lnSpc>
             </a:pPr>
-            <a:fld id="{9A5103D6-AB1D-4EEE-B5F6-D294429F1AD0}" type="slidenum">
+            <a:fld id="{EEC7E680-72FE-4330-8174-C326975EADCC}" type="slidenum">
               <a:rPr b="0" lang="pt-BR" sz="1200" spc="-1" strike="noStrike">
                 <a:solidFill>
                   <a:srgbClr val="000000"/>
@@ -3896,7 +3896,7 @@
                 <a:spcPct val="100000"/>
               </a:lnSpc>
             </a:pPr>
-            <a:fld id="{BF6ED98D-A214-4F24-A4B5-52FD4603D5E6}" type="slidenum">
+            <a:fld id="{B68B24A4-8550-4D82-82B8-C3B8E143BCB1}" type="slidenum">
               <a:rPr b="0" lang="pt-BR" sz="1200" spc="-1" strike="noStrike">
                 <a:solidFill>
                   <a:srgbClr val="000000"/>
@@ -4116,7 +4116,7 @@
                 <a:spcPct val="100000"/>
               </a:lnSpc>
             </a:pPr>
-            <a:fld id="{0F97D373-4DF6-482F-88CC-73DC14466EF6}" type="slidenum">
+            <a:fld id="{903855F9-79A6-487E-A86B-45160F0433C4}" type="slidenum">
               <a:rPr b="0" lang="pt-BR" sz="1200" spc="-1" strike="noStrike">
                 <a:solidFill>
                   <a:srgbClr val="000000"/>
@@ -4336,7 +4336,7 @@
                 <a:spcPct val="100000"/>
               </a:lnSpc>
             </a:pPr>
-            <a:fld id="{5CAC63B8-483A-4F93-A0C8-766D80301FBA}" type="slidenum">
+            <a:fld id="{C7BBED84-7274-466E-8981-B91050C64706}" type="slidenum">
               <a:rPr b="0" lang="pt-BR" sz="1200" spc="-1" strike="noStrike">
                 <a:solidFill>
                   <a:srgbClr val="000000"/>
@@ -4556,7 +4556,7 @@
                 <a:spcPct val="100000"/>
               </a:lnSpc>
             </a:pPr>
-            <a:fld id="{AE4BD349-BDB7-4BDE-B92B-4AB535414CA1}" type="slidenum">
+            <a:fld id="{F270685E-8822-45D1-8C46-C7911E8320ED}" type="slidenum">
               <a:rPr b="0" lang="pt-BR" sz="1200" spc="-1" strike="noStrike">
                 <a:solidFill>
                   <a:srgbClr val="000000"/>
@@ -4776,7 +4776,7 @@
                 <a:spcPct val="100000"/>
               </a:lnSpc>
             </a:pPr>
-            <a:fld id="{99C77238-B877-4748-915E-61FDAC9174E8}" type="slidenum">
+            <a:fld id="{D9A5998E-52C2-4E19-AC20-75ABEA8C95B3}" type="slidenum">
               <a:rPr b="0" lang="pt-BR" sz="1200" spc="-1" strike="noStrike">
                 <a:solidFill>
                   <a:srgbClr val="000000"/>
@@ -4784,7 +4784,7 @@
                 <a:latin typeface="+mn-lt"/>
                 <a:ea typeface="+mn-ea"/>
               </a:rPr>
-              <a:t>&lt;número&gt;</a:t>
+              <a:t>1</a:t>
             </a:fld>
             <a:endParaRPr b="0" lang="pt-BR" sz="1200" spc="-1" strike="noStrike">
               <a:latin typeface="Arial"/>
@@ -4996,7 +4996,7 @@
                 <a:spcPct val="100000"/>
               </a:lnSpc>
             </a:pPr>
-            <a:fld id="{622ADB85-9012-4C50-B491-7C2A72941AA2}" type="slidenum">
+            <a:fld id="{F556CA08-3A34-4C28-A999-BC6D0597C187}" type="slidenum">
               <a:rPr b="0" lang="pt-BR" sz="1200" spc="-1" strike="noStrike">
                 <a:solidFill>
                   <a:srgbClr val="000000"/>
@@ -5004,7 +5004,7 @@
                 <a:latin typeface="+mn-lt"/>
                 <a:ea typeface="+mn-ea"/>
               </a:rPr>
-              <a:t>&lt;número&gt;</a:t>
+              <a:t>1</a:t>
             </a:fld>
             <a:endParaRPr b="0" lang="pt-BR" sz="1200" spc="-1" strike="noStrike">
               <a:latin typeface="Arial"/>
@@ -5216,7 +5216,7 @@
                 <a:spcPct val="100000"/>
               </a:lnSpc>
             </a:pPr>
-            <a:fld id="{F141EB37-7E58-4F99-9293-8099DB6C8623}" type="slidenum">
+            <a:fld id="{6E858744-C1BC-4306-AB98-A7C7716DBF5B}" type="slidenum">
               <a:rPr b="0" lang="pt-BR" sz="1200" spc="-1" strike="noStrike">
                 <a:solidFill>
                   <a:srgbClr val="000000"/>
@@ -5436,7 +5436,7 @@
                 <a:spcPct val="100000"/>
               </a:lnSpc>
             </a:pPr>
-            <a:fld id="{E2C180AB-F938-4314-AA3B-D148AFD418FD}" type="slidenum">
+            <a:fld id="{54D41E0C-205B-4F78-94A7-87609A32F33F}" type="slidenum">
               <a:rPr b="0" lang="pt-BR" sz="1200" spc="-1" strike="noStrike">
                 <a:solidFill>
                   <a:srgbClr val="000000"/>
@@ -5656,7 +5656,7 @@
                 <a:spcPct val="100000"/>
               </a:lnSpc>
             </a:pPr>
-            <a:fld id="{1617FC4E-13F5-4B32-A9CF-3710FC8FD158}" type="slidenum">
+            <a:fld id="{EFFD6304-F497-44A9-B59C-1E3B6C2AE5C6}" type="slidenum">
               <a:rPr b="0" lang="pt-BR" sz="1200" spc="-1" strike="noStrike">
                 <a:solidFill>
                   <a:srgbClr val="000000"/>
@@ -5876,7 +5876,7 @@
                 <a:spcPct val="100000"/>
               </a:lnSpc>
             </a:pPr>
-            <a:fld id="{CB8E5F9C-5B44-4697-B762-6B40E221324D}" type="slidenum">
+            <a:fld id="{50C3EB62-6A0F-4623-A971-3EAF0CBCFE6D}" type="slidenum">
               <a:rPr b="0" lang="pt-BR" sz="1200" spc="-1" strike="noStrike">
                 <a:solidFill>
                   <a:srgbClr val="000000"/>
@@ -6096,7 +6096,7 @@
                 <a:spcPct val="100000"/>
               </a:lnSpc>
             </a:pPr>
-            <a:fld id="{8619D9FA-EEBC-4FC7-BBA5-2B34152DC876}" type="slidenum">
+            <a:fld id="{19CC58ED-85CD-484E-984B-A5489EF5C7E8}" type="slidenum">
               <a:rPr b="0" lang="pt-BR" sz="1200" spc="-1" strike="noStrike">
                 <a:solidFill>
                   <a:srgbClr val="000000"/>
@@ -6316,7 +6316,7 @@
                 <a:spcPct val="100000"/>
               </a:lnSpc>
             </a:pPr>
-            <a:fld id="{85891DDC-09BF-44BE-A710-6E74FBDE128E}" type="slidenum">
+            <a:fld id="{5706CEEA-8272-4B86-AE7E-52103B64F328}" type="slidenum">
               <a:rPr b="0" lang="pt-BR" sz="1200" spc="-1" strike="noStrike">
                 <a:solidFill>
                   <a:srgbClr val="000000"/>
@@ -6536,7 +6536,7 @@
                 <a:spcPct val="100000"/>
               </a:lnSpc>
             </a:pPr>
-            <a:fld id="{212F8AF9-D085-4648-B606-1262A36F2976}" type="slidenum">
+            <a:fld id="{6F373AE8-2389-42DA-B47B-D46DBFC1EBCF}" type="slidenum">
               <a:rPr b="0" lang="pt-BR" sz="1200" spc="-1" strike="noStrike">
                 <a:solidFill>
                   <a:srgbClr val="000000"/>
@@ -6756,7 +6756,7 @@
                 <a:spcPct val="100000"/>
               </a:lnSpc>
             </a:pPr>
-            <a:fld id="{F2C74122-A685-4487-811B-ED67E1B7FFB2}" type="slidenum">
+            <a:fld id="{1DC93DC0-4D3F-41BD-AD64-A6F088E64E26}" type="slidenum">
               <a:rPr b="0" lang="pt-BR" sz="1200" spc="-1" strike="noStrike">
                 <a:solidFill>
                   <a:srgbClr val="000000"/>
@@ -6976,7 +6976,7 @@
                 <a:spcPct val="100000"/>
               </a:lnSpc>
             </a:pPr>
-            <a:fld id="{0FB366E2-2C8F-4954-A2BB-CFD5E774F848}" type="slidenum">
+            <a:fld id="{F88FFD69-294B-4104-B600-806DBB1A4245}" type="slidenum">
               <a:rPr b="0" lang="pt-BR" sz="1200" spc="-1" strike="noStrike">
                 <a:solidFill>
                   <a:srgbClr val="000000"/>
@@ -7196,7 +7196,7 @@
                 <a:spcPct val="100000"/>
               </a:lnSpc>
             </a:pPr>
-            <a:fld id="{A9399A4B-50D2-4069-9457-305E6B08E42D}" type="slidenum">
+            <a:fld id="{3D41D8B1-495B-4E13-978A-B1C529CBA656}" type="slidenum">
               <a:rPr b="0" lang="pt-BR" sz="1200" spc="-1" strike="noStrike">
                 <a:solidFill>
                   <a:srgbClr val="000000"/>
@@ -13172,14 +13172,14 @@
                 <a:spcPct val="100000"/>
               </a:lnSpc>
             </a:pPr>
-            <a:fld id="{79B4DFE8-316E-46D8-9CAF-0AD9F31BBD1D}" type="datetime1">
+            <a:fld id="{0FF0027A-6A19-41EF-8E77-454DD180A8C6}" type="datetime1">
               <a:rPr b="0" lang="pt-BR" sz="1800" spc="-1" strike="noStrike">
                 <a:solidFill>
                   <a:srgbClr val="000000"/>
                 </a:solidFill>
                 <a:latin typeface="Georgia"/>
               </a:rPr>
-              <a:t>14/04/2021</a:t>
+              <a:t>15/04/2021</a:t>
             </a:fld>
             <a:endParaRPr b="0" lang="pt-BR" sz="1800" spc="-1" strike="noStrike">
               <a:latin typeface="Times New Roman"/>
@@ -13242,7 +13242,7 @@
                 <a:spcPct val="100000"/>
               </a:lnSpc>
             </a:pPr>
-            <a:fld id="{89E336FD-FF29-4157-9887-360E3C1265C4}" type="slidenum">
+            <a:fld id="{B65918CC-1176-456D-B3FA-D85C5A23F709}" type="slidenum">
               <a:rPr b="0" lang="pt-BR" sz="1800" spc="-1" strike="noStrike">
                 <a:solidFill>
                   <a:srgbClr val="ffffff"/>
@@ -13603,7 +13603,7 @@
                 <a:spcPct val="100000"/>
               </a:lnSpc>
             </a:pPr>
-            <a:fld id="{AD1492DE-8340-45A5-BA7B-BBAF155D0B33}" type="slidenum">
+            <a:fld id="{052F1361-CF97-46BA-BC95-BF7CB7386D76}" type="slidenum">
               <a:rPr b="0" lang="pt-BR" sz="1800" spc="-1" strike="noStrike">
                 <a:solidFill>
                   <a:srgbClr val="ffffff"/>
@@ -14305,7 +14305,7 @@
                 <a:spcPct val="100000"/>
               </a:lnSpc>
             </a:pPr>
-            <a:fld id="{A263AE80-AC43-4CF2-A5E4-9BBFC02BD8E6}" type="slidenum">
+            <a:fld id="{70409838-1C0C-4221-8BC1-5691A4A8E730}" type="slidenum">
               <a:rPr b="0" lang="pt-BR" sz="1800" spc="-1" strike="noStrike">
                 <a:solidFill>
                   <a:srgbClr val="ffffff"/>
@@ -14428,7 +14428,7 @@
                 <a:spcPct val="100000"/>
               </a:lnSpc>
             </a:pPr>
-            <a:fld id="{6B85604A-8C1D-4FF2-AAA0-F618A3F31B1E}" type="slidenum">
+            <a:fld id="{27D6DFF9-8CD7-4E2D-8BEC-7E3BB2360CF5}" type="slidenum">
               <a:rPr b="0" lang="pt-BR" sz="1800" spc="-1" strike="noStrike">
                 <a:solidFill>
                   <a:srgbClr val="ffffff"/>
@@ -15031,31 +15031,6 @@
               <a:buFont typeface="Georgia"/>
               <a:buChar char="•"/>
             </a:pPr>
-            <a:r>
-              <a:rPr b="0" lang="pt-BR" sz="2400" spc="-1" strike="noStrike">
-                <a:solidFill>
-                  <a:srgbClr val="000000"/>
-                </a:solidFill>
-                <a:latin typeface="Segoe UI"/>
-              </a:rPr>
-              <a:t>Número de componentes conectados: 857</a:t>
-            </a:r>
-            <a:endParaRPr b="0" lang="pt-BR" sz="2400" spc="-1" strike="noStrike">
-              <a:latin typeface="Arial"/>
-            </a:endParaRPr>
-          </a:p>
-          <a:p>
-            <a:pPr>
-              <a:lnSpc>
-                <a:spcPct val="100000"/>
-              </a:lnSpc>
-              <a:spcBef>
-                <a:spcPts val="300"/>
-              </a:spcBef>
-              <a:spcAft>
-                <a:spcPts val="1199"/>
-              </a:spcAft>
-            </a:pPr>
             <a:endParaRPr b="0" lang="pt-BR" sz="2400" spc="-1" strike="noStrike">
               <a:latin typeface="Arial"/>
             </a:endParaRPr>
@@ -15125,7 +15100,7 @@
                 <a:spcPct val="100000"/>
               </a:lnSpc>
             </a:pPr>
-            <a:fld id="{70CF17D0-B252-422A-A7A6-1E790D578252}" type="slidenum">
+            <a:fld id="{EAAFB2B1-C1C2-418A-AA96-D34AB99022C2}" type="slidenum">
               <a:rPr b="0" lang="pt-BR" sz="1800" spc="-1" strike="noStrike">
                 <a:solidFill>
                   <a:srgbClr val="ffffff"/>
@@ -15290,7 +15265,7 @@
                 </a:solidFill>
                 <a:latin typeface="Segoe UI"/>
               </a:rPr>
-              <a:t>Número de nós: 29.440</a:t>
+              <a:t>Número de vértices: 29.440</a:t>
             </a:r>
             <a:endParaRPr b="0" lang="pt-BR" sz="2200" spc="-1" strike="noStrike">
               <a:latin typeface="Arial"/>
@@ -15320,7 +15295,7 @@
                 </a:solidFill>
                 <a:latin typeface="Segoe UI"/>
               </a:rPr>
-              <a:t>Número de vértices: 241744</a:t>
+              <a:t>Número de arestas: 241744</a:t>
             </a:r>
             <a:endParaRPr b="0" lang="pt-BR" sz="2200" spc="-1" strike="noStrike">
               <a:latin typeface="Arial"/>
@@ -15407,7 +15382,7 @@
                 <a:spcPct val="100000"/>
               </a:lnSpc>
             </a:pPr>
-            <a:fld id="{391E6DCC-3350-4858-9ABE-310302DA3C94}" type="slidenum">
+            <a:fld id="{7707059B-30D4-439A-B333-4050558DB948}" type="slidenum">
               <a:rPr b="0" lang="pt-BR" sz="1800" spc="-1" strike="noStrike">
                 <a:solidFill>
                   <a:srgbClr val="ffffff"/>
@@ -15756,7 +15731,7 @@
                 <a:spcPct val="100000"/>
               </a:lnSpc>
             </a:pPr>
-            <a:fld id="{0D8AD7D6-DB39-4B3C-86A8-1DA5A3A0DB8F}" type="slidenum">
+            <a:fld id="{D52B10D0-61FA-44BC-AED4-099D5E8F19FC}" type="slidenum">
               <a:rPr b="0" lang="pt-BR" sz="1800" spc="-1" strike="noStrike">
                 <a:solidFill>
                   <a:srgbClr val="ffffff"/>
@@ -15879,7 +15854,7 @@
                 <a:spcPct val="100000"/>
               </a:lnSpc>
             </a:pPr>
-            <a:fld id="{2751B136-2F42-45F1-89A2-6F7953D9F465}" type="slidenum">
+            <a:fld id="{8DF3154B-9BC1-4EC1-8435-1A2406FC286F}" type="slidenum">
               <a:rPr b="0" lang="pt-BR" sz="1800" spc="-1" strike="noStrike">
                 <a:solidFill>
                   <a:srgbClr val="ffffff"/>
@@ -16530,7 +16505,7 @@
                 <a:spcPct val="100000"/>
               </a:lnSpc>
             </a:pPr>
-            <a:fld id="{B89C10D3-6287-46C5-9B19-1269AE9889CD}" type="slidenum">
+            <a:fld id="{B1D936F4-07DA-40D3-A1DE-38354DA91E3F}" type="slidenum">
               <a:rPr b="0" lang="pt-BR" sz="1800" spc="-1" strike="noStrike">
                 <a:solidFill>
                   <a:srgbClr val="ffffff"/>
@@ -16736,7 +16711,7 @@
                 <a:spcPct val="100000"/>
               </a:lnSpc>
             </a:pPr>
-            <a:fld id="{009AFA7F-0928-4871-BE39-27BA33BEA028}" type="slidenum">
+            <a:fld id="{712E02B0-D0DF-4AD5-857F-3F37D8058F30}" type="slidenum">
               <a:rPr b="0" lang="pt-BR" sz="1800" spc="-1" strike="noStrike">
                 <a:solidFill>
                   <a:srgbClr val="ffffff"/>
@@ -17020,7 +16995,7 @@
                 <a:spcPct val="100000"/>
               </a:lnSpc>
             </a:pPr>
-            <a:fld id="{F606C1AD-D4FE-4218-AB93-FEE3BB256034}" type="slidenum">
+            <a:fld id="{7CF349C8-59EC-4185-ACBC-54D7B5CA5D91}" type="slidenum">
               <a:rPr b="0" lang="pt-BR" sz="1800" spc="-1" strike="noStrike">
                 <a:solidFill>
                   <a:srgbClr val="ffffff"/>
@@ -17166,7 +17141,7 @@
                 <a:spcPct val="100000"/>
               </a:lnSpc>
             </a:pPr>
-            <a:fld id="{75638A99-795F-4CE5-A522-6BA2F1E03008}" type="slidenum">
+            <a:fld id="{CCD3B194-827E-476E-BBD8-C0A9FB31A6D8}" type="slidenum">
               <a:rPr b="0" lang="pt-BR" sz="1800" spc="-1" strike="noStrike">
                 <a:solidFill>
                   <a:srgbClr val="ffffff"/>
@@ -17611,7 +17586,7 @@
                 <a:spcPct val="100000"/>
               </a:lnSpc>
             </a:pPr>
-            <a:fld id="{2990BD29-F3B9-41EC-B35C-F0FC77C941A6}" type="slidenum">
+            <a:fld id="{E666852B-530E-402D-8EAE-F0B9FA8895FA}" type="slidenum">
               <a:rPr b="0" lang="pt-BR" sz="1800" spc="-1" strike="noStrike">
                 <a:solidFill>
                   <a:srgbClr val="ffffff"/>
@@ -18336,7 +18311,7 @@
                 <a:spcPct val="100000"/>
               </a:lnSpc>
             </a:pPr>
-            <a:fld id="{1B72F555-345E-47DB-AA41-B334453982FD}" type="slidenum">
+            <a:fld id="{514F1084-8D87-4D9A-93E6-B27D0827C94D}" type="slidenum">
               <a:rPr b="0" lang="pt-BR" sz="1800" spc="-1" strike="noStrike">
                 <a:solidFill>
                   <a:srgbClr val="ffffff"/>
@@ -18930,7 +18905,7 @@
                 <a:spcPct val="100000"/>
               </a:lnSpc>
             </a:pPr>
-            <a:fld id="{E7A23210-134A-4641-A3B9-3E589E8448DA}" type="slidenum">
+            <a:fld id="{600ECE0A-2962-462A-9629-079316B6D8BC}" type="slidenum">
               <a:rPr b="0" lang="pt-BR" sz="1800" spc="-1" strike="noStrike">
                 <a:solidFill>
                   <a:srgbClr val="ffffff"/>
@@ -19219,28 +19194,6 @@
           <a:effectRef idx="0"/>
           <a:fontRef idx="minor"/>
         </p:style>
-        <p:txBody>
-          <a:bodyPr lIns="90000" rIns="90000" tIns="45000" bIns="45000" anchor="ctr"/>
-          <a:p>
-            <a:pPr>
-              <a:lnSpc>
-                <a:spcPct val="100000"/>
-              </a:lnSpc>
-            </a:pPr>
-            <a:r>
-              <a:rPr b="0" lang="pt-BR" sz="3600" spc="-1" strike="noStrike">
-                <a:solidFill>
-                  <a:srgbClr val="000000"/>
-                </a:solidFill>
-                <a:latin typeface="Segoe UI"/>
-              </a:rPr>
-              <a:t>Rankeamento dos vértices</a:t>
-            </a:r>
-            <a:endParaRPr b="0" lang="pt-BR" sz="3600" spc="-1" strike="noStrike">
-              <a:latin typeface="Arial"/>
-            </a:endParaRPr>
-          </a:p>
-        </p:txBody>
       </p:sp>
       <p:sp>
         <p:nvSpPr>
@@ -19250,8 +19203,8 @@
         </p:nvSpPr>
         <p:spPr>
           <a:xfrm>
-            <a:off x="107640" y="1556640"/>
-            <a:ext cx="8921880" cy="5084640"/>
+            <a:off x="8174880" y="2160"/>
+            <a:ext cx="761400" cy="365040"/>
           </a:xfrm>
           <a:prstGeom prst="rect">
             <a:avLst/>
@@ -19268,20 +19221,59 @@
           <a:fontRef idx="minor"/>
         </p:style>
         <p:txBody>
+          <a:bodyPr lIns="90000" rIns="90000" tIns="45000" bIns="45000" anchor="b"/>
+          <a:p>
+            <a:pPr algn="r">
+              <a:lnSpc>
+                <a:spcPct val="100000"/>
+              </a:lnSpc>
+            </a:pPr>
+            <a:fld id="{6629CF69-0750-4ED6-B2FC-330B038FF13A}" type="slidenum">
+              <a:rPr b="0" lang="pt-BR" sz="1800" spc="-1" strike="noStrike">
+                <a:solidFill>
+                  <a:srgbClr val="ffffff"/>
+                </a:solidFill>
+                <a:latin typeface="Segoe UI"/>
+              </a:rPr>
+              <a:t>1</a:t>
+            </a:fld>
+            <a:endParaRPr b="0" lang="pt-BR" sz="1800" spc="-1" strike="noStrike">
+              <a:latin typeface="Arial"/>
+            </a:endParaRPr>
+          </a:p>
+        </p:txBody>
+      </p:sp>
+      <p:sp>
+        <p:nvSpPr>
+          <p:cNvPr id="229" name="TextShape 3"/>
+          <p:cNvSpPr txBox="1"/>
+          <p:nvPr/>
+        </p:nvSpPr>
+        <p:spPr>
+          <a:xfrm>
+            <a:off x="5760" y="935640"/>
+            <a:ext cx="8922240" cy="5760360"/>
+          </a:xfrm>
+          <a:prstGeom prst="rect">
+            <a:avLst/>
+          </a:prstGeom>
+          <a:noFill/>
+          <a:ln>
+            <a:noFill/>
+          </a:ln>
+        </p:spPr>
+        <p:txBody>
           <a:bodyPr lIns="90000" rIns="90000" tIns="45000" bIns="45000">
             <a:normAutofit/>
           </a:bodyPr>
           <a:p>
-            <a:pPr marL="365760" indent="-255240">
+            <a:pPr marL="365760" indent="-255600">
               <a:lnSpc>
                 <a:spcPct val="100000"/>
               </a:lnSpc>
               <a:spcBef>
                 <a:spcPts val="300"/>
               </a:spcBef>
-              <a:spcAft>
-                <a:spcPts val="1199"/>
-              </a:spcAft>
               <a:buClr>
                 <a:srgbClr val="138600"/>
               </a:buClr>
@@ -19289,47 +19281,29 @@
               <a:buChar char="•"/>
             </a:pPr>
             <a:r>
-              <a:rPr b="0" lang="pt-BR" sz="2200" spc="-1" strike="noStrike">
-                <a:solidFill>
-                  <a:srgbClr val="000000"/>
-                </a:solidFill>
-                <a:latin typeface="Segoe UI"/>
-              </a:rPr>
-              <a:t>A fim de identificar, dentre os nós da rede, aqueles que se destacam em algum critério (número de ligações, centralidade, presença em caminhos mais curtos), foram aplicadas algumas métricas para </a:t>
-            </a:r>
-            <a:r>
-              <a:rPr b="0" i="1" lang="pt-BR" sz="2200" spc="-1" strike="noStrike">
-                <a:solidFill>
-                  <a:srgbClr val="000000"/>
-                </a:solidFill>
-                <a:latin typeface="Segoe UI"/>
-              </a:rPr>
-              <a:t>rankeamento </a:t>
-            </a:r>
-            <a:r>
-              <a:rPr b="0" lang="pt-BR" sz="2200" spc="-1" strike="noStrike">
-                <a:solidFill>
-                  <a:srgbClr val="000000"/>
-                </a:solidFill>
-                <a:latin typeface="Segoe UI"/>
-              </a:rPr>
-              <a:t>dos vértices:</a:t>
-            </a:r>
-            <a:endParaRPr b="0" lang="pt-BR" sz="2200" spc="-1" strike="noStrike">
-              <a:latin typeface="Arial"/>
-            </a:endParaRPr>
-          </a:p>
-          <a:p>
-            <a:pPr marL="365760" indent="-255240">
+              <a:rPr b="0" lang="pt-BR" sz="2800" spc="-1" strike="noStrike">
+                <a:solidFill>
+                  <a:srgbClr val="b2b2b2"/>
+                </a:solidFill>
+                <a:latin typeface="Segoe UI"/>
+              </a:rPr>
+              <a:t>Introdução</a:t>
+            </a:r>
+            <a:endParaRPr b="0" lang="pt-BR" sz="2800" spc="-1" strike="noStrike">
+              <a:solidFill>
+                <a:srgbClr val="b2b2b2"/>
+              </a:solidFill>
+              <a:latin typeface="Arial"/>
+            </a:endParaRPr>
+          </a:p>
+          <a:p>
+            <a:pPr marL="365760" indent="-255600">
               <a:lnSpc>
                 <a:spcPct val="100000"/>
               </a:lnSpc>
               <a:spcBef>
                 <a:spcPts val="300"/>
               </a:spcBef>
-              <a:spcAft>
-                <a:spcPts val="1199"/>
-              </a:spcAft>
               <a:buClr>
                 <a:srgbClr val="138600"/>
               </a:buClr>
@@ -19337,172 +19311,288 @@
               <a:buChar char="•"/>
             </a:pPr>
             <a:r>
-              <a:rPr b="0" lang="pt-BR" sz="2200" spc="-1" strike="noStrike">
-                <a:solidFill>
-                  <a:srgbClr val="000000"/>
-                </a:solidFill>
-                <a:latin typeface="Segoe UI"/>
-              </a:rPr>
-              <a:t>Closeness: </a:t>
-            </a:r>
-            <a:br/>
-            <a:r>
-              <a:rPr b="0" lang="pt-BR" sz="2200" spc="-1" strike="noStrike">
-                <a:solidFill>
-                  <a:srgbClr val="000000"/>
-                </a:solidFill>
-                <a:latin typeface="Segoe UI"/>
-              </a:rPr>
-              <a:t>- </a:t>
-            </a:r>
-            <a:r>
-              <a:rPr b="0" lang="pt-BR" sz="1800" spc="-1" strike="noStrike">
-                <a:solidFill>
-                  <a:srgbClr val="000000"/>
-                </a:solidFill>
-                <a:latin typeface="Segoe UI"/>
-              </a:rPr>
-              <a:t>Gerard Butler – 0.267</a:t>
-            </a:r>
-            <a:br/>
-            <a:r>
-              <a:rPr b="0" lang="pt-BR" sz="1800" spc="-1" strike="noStrike">
-                <a:solidFill>
-                  <a:srgbClr val="000000"/>
-                </a:solidFill>
-                <a:latin typeface="Segoe UI"/>
-              </a:rPr>
-              <a:t>- Alfred Molina – 0.265</a:t>
-            </a:r>
-            <a:br/>
-            <a:r>
-              <a:rPr b="0" lang="pt-BR" sz="1800" spc="-1" strike="noStrike">
-                <a:solidFill>
-                  <a:srgbClr val="000000"/>
-                </a:solidFill>
-                <a:latin typeface="Segoe UI"/>
-              </a:rPr>
-              <a:t>- Ben Kingsley – 0.264</a:t>
-            </a:r>
-            <a:br/>
-            <a:r>
-              <a:rPr b="0" lang="pt-BR" sz="1800" spc="-1" strike="noStrike">
-                <a:solidFill>
-                  <a:srgbClr val="000000"/>
-                </a:solidFill>
-                <a:latin typeface="Segoe UI"/>
-              </a:rPr>
-              <a:t>- Chloe Grace Moretz – 0.263</a:t>
-            </a:r>
-            <a:br/>
-            <a:r>
-              <a:rPr b="0" lang="pt-BR" sz="1800" spc="-1" strike="noStrike">
-                <a:solidFill>
-                  <a:srgbClr val="000000"/>
-                </a:solidFill>
-                <a:latin typeface="Segoe UI"/>
-              </a:rPr>
-              <a:t>- Helen Mirren – 0.262</a:t>
-            </a:r>
-            <a:br/>
-            <a:r>
-              <a:rPr b="0" lang="pt-BR" sz="1800" spc="-1" strike="noStrike">
-                <a:solidFill>
-                  <a:srgbClr val="000000"/>
-                </a:solidFill>
-                <a:latin typeface="Segoe UI"/>
-              </a:rPr>
-              <a:t>- James Franco – 0.262</a:t>
-            </a:r>
-            <a:br/>
-            <a:r>
-              <a:rPr b="0" lang="pt-BR" sz="1800" spc="-1" strike="noStrike">
-                <a:solidFill>
-                  <a:srgbClr val="000000"/>
-                </a:solidFill>
-                <a:latin typeface="Segoe UI"/>
-              </a:rPr>
-              <a:t>- Samuel L. Jackson – 0.261</a:t>
-            </a:r>
-            <a:br/>
-            <a:r>
-              <a:rPr b="0" lang="pt-BR" sz="1800" spc="-1" strike="noStrike">
-                <a:solidFill>
-                  <a:srgbClr val="000000"/>
-                </a:solidFill>
-                <a:latin typeface="Segoe UI"/>
-              </a:rPr>
-              <a:t>- Jacki Weaver – 0.261</a:t>
-            </a:r>
-            <a:br/>
-            <a:r>
-              <a:rPr b="0" lang="pt-BR" sz="1800" spc="-1" strike="noStrike">
-                <a:solidFill>
-                  <a:srgbClr val="000000"/>
-                </a:solidFill>
-                <a:latin typeface="Segoe UI"/>
-              </a:rPr>
-              <a:t>- Lena Headey – 0.261</a:t>
-            </a:r>
-            <a:br/>
-            <a:r>
-              <a:rPr b="0" lang="pt-BR" sz="1800" spc="-1" strike="noStrike">
-                <a:solidFill>
-                  <a:srgbClr val="000000"/>
-                </a:solidFill>
-                <a:latin typeface="Segoe UI"/>
-              </a:rPr>
-              <a:t>- Willem Dafoe - 0.260</a:t>
-            </a:r>
-            <a:endParaRPr b="0" lang="pt-BR" sz="1800" spc="-1" strike="noStrike">
-              <a:latin typeface="Arial"/>
-            </a:endParaRPr>
-          </a:p>
-        </p:txBody>
-      </p:sp>
-      <p:sp>
-        <p:nvSpPr>
-          <p:cNvPr id="229" name="CustomShape 3"/>
-          <p:cNvSpPr/>
-          <p:nvPr/>
-        </p:nvSpPr>
-        <p:spPr>
-          <a:xfrm>
-            <a:off x="8174880" y="2160"/>
-            <a:ext cx="761400" cy="365040"/>
-          </a:xfrm>
-          <a:prstGeom prst="rect">
-            <a:avLst/>
-          </a:prstGeom>
-          <a:noFill/>
-          <a:ln>
-            <a:noFill/>
-          </a:ln>
-        </p:spPr>
-        <p:style>
-          <a:lnRef idx="0"/>
-          <a:fillRef idx="0"/>
-          <a:effectRef idx="0"/>
-          <a:fontRef idx="minor"/>
-        </p:style>
-        <p:txBody>
-          <a:bodyPr lIns="90000" rIns="90000" tIns="45000" bIns="45000" anchor="b"/>
-          <a:p>
-            <a:pPr algn="r">
-              <a:lnSpc>
-                <a:spcPct val="100000"/>
-              </a:lnSpc>
-            </a:pPr>
-            <a:fld id="{992982CE-B08E-4DC4-9FDA-45EC9B0F531C}" type="slidenum">
-              <a:rPr b="0" lang="pt-BR" sz="1800" spc="-1" strike="noStrike">
-                <a:solidFill>
-                  <a:srgbClr val="ffffff"/>
-                </a:solidFill>
-                <a:latin typeface="Segoe UI"/>
-              </a:rPr>
-              <a:t>1</a:t>
-            </a:fld>
-            <a:endParaRPr b="0" lang="pt-BR" sz="1800" spc="-1" strike="noStrike">
+              <a:rPr b="0" lang="pt-BR" sz="2800" spc="-1" strike="noStrike">
+                <a:solidFill>
+                  <a:srgbClr val="b2b2b2"/>
+                </a:solidFill>
+                <a:latin typeface="Segoe UI"/>
+              </a:rPr>
+              <a:t>Objetivos</a:t>
+            </a:r>
+            <a:endParaRPr b="0" lang="pt-BR" sz="2800" spc="-1" strike="noStrike">
+              <a:solidFill>
+                <a:srgbClr val="b2b2b2"/>
+              </a:solidFill>
+              <a:latin typeface="Arial"/>
+            </a:endParaRPr>
+          </a:p>
+          <a:p>
+            <a:pPr marL="365760" indent="-255600">
+              <a:lnSpc>
+                <a:spcPct val="100000"/>
+              </a:lnSpc>
+              <a:spcBef>
+                <a:spcPts val="300"/>
+              </a:spcBef>
+              <a:buClr>
+                <a:srgbClr val="138600"/>
+              </a:buClr>
+              <a:buFont typeface="Georgia"/>
+              <a:buChar char="•"/>
+            </a:pPr>
+            <a:r>
+              <a:rPr b="0" lang="pt-BR" sz="2800" spc="-1" strike="noStrike">
+                <a:solidFill>
+                  <a:srgbClr val="b2b2b2"/>
+                </a:solidFill>
+                <a:latin typeface="Segoe UI"/>
+              </a:rPr>
+              <a:t>Pré-processamento</a:t>
+            </a:r>
+            <a:endParaRPr b="0" lang="pt-BR" sz="2800" spc="-1" strike="noStrike">
+              <a:solidFill>
+                <a:srgbClr val="b2b2b2"/>
+              </a:solidFill>
+              <a:latin typeface="Arial"/>
+            </a:endParaRPr>
+          </a:p>
+          <a:p>
+            <a:pPr marL="365760" indent="-255600">
+              <a:lnSpc>
+                <a:spcPct val="100000"/>
+              </a:lnSpc>
+              <a:spcBef>
+                <a:spcPts val="300"/>
+              </a:spcBef>
+              <a:buClr>
+                <a:srgbClr val="138600"/>
+              </a:buClr>
+              <a:buFont typeface="Georgia"/>
+              <a:buChar char="•"/>
+            </a:pPr>
+            <a:r>
+              <a:rPr b="0" lang="pt-BR" sz="2800" spc="-1" strike="noStrike">
+                <a:solidFill>
+                  <a:srgbClr val="b2b2b2"/>
+                </a:solidFill>
+                <a:latin typeface="Segoe UI"/>
+              </a:rPr>
+              <a:t>Modelagem da rede</a:t>
+            </a:r>
+            <a:endParaRPr b="0" lang="pt-BR" sz="2800" spc="-1" strike="noStrike">
+              <a:solidFill>
+                <a:srgbClr val="b2b2b2"/>
+              </a:solidFill>
+              <a:latin typeface="Arial"/>
+            </a:endParaRPr>
+          </a:p>
+          <a:p>
+            <a:pPr marL="365760" indent="-255600">
+              <a:lnSpc>
+                <a:spcPct val="100000"/>
+              </a:lnSpc>
+              <a:spcBef>
+                <a:spcPts val="300"/>
+              </a:spcBef>
+              <a:buClr>
+                <a:srgbClr val="138600"/>
+              </a:buClr>
+              <a:buFont typeface="Georgia"/>
+              <a:buChar char="•"/>
+            </a:pPr>
+            <a:r>
+              <a:rPr b="0" lang="pt-BR" sz="2800" spc="-1" strike="noStrike">
+                <a:solidFill>
+                  <a:srgbClr val="000000"/>
+                </a:solidFill>
+                <a:latin typeface="Segoe UI"/>
+              </a:rPr>
+              <a:t>Análise geral da rede</a:t>
+            </a:r>
+            <a:endParaRPr b="0" lang="pt-BR" sz="2800" spc="-1" strike="noStrike">
+              <a:solidFill>
+                <a:srgbClr val="b2b2b2"/>
+              </a:solidFill>
+              <a:latin typeface="Arial"/>
+            </a:endParaRPr>
+          </a:p>
+          <a:p>
+            <a:pPr lvl="1" marL="658440" indent="-246600">
+              <a:lnSpc>
+                <a:spcPct val="100000"/>
+              </a:lnSpc>
+              <a:spcBef>
+                <a:spcPts val="300"/>
+              </a:spcBef>
+              <a:buClr>
+                <a:srgbClr val="002060"/>
+              </a:buClr>
+              <a:buFont typeface="Georgia"/>
+              <a:buChar char="▫"/>
+            </a:pPr>
+            <a:r>
+              <a:rPr b="0" lang="pt-BR" sz="2600" spc="-1" strike="noStrike">
+                <a:solidFill>
+                  <a:srgbClr val="b2b2b2"/>
+                </a:solidFill>
+                <a:latin typeface="Segoe UI"/>
+              </a:rPr>
+              <a:t>Sumarização de indicadores descritivos da rede</a:t>
+            </a:r>
+            <a:endParaRPr b="0" lang="pt-BR" sz="2600" spc="-1" strike="noStrike">
+              <a:solidFill>
+                <a:srgbClr val="b2b2b2"/>
+              </a:solidFill>
+              <a:latin typeface="Arial"/>
+            </a:endParaRPr>
+          </a:p>
+          <a:p>
+            <a:pPr lvl="1" marL="658440" indent="-246600">
+              <a:lnSpc>
+                <a:spcPct val="100000"/>
+              </a:lnSpc>
+              <a:spcBef>
+                <a:spcPts val="300"/>
+              </a:spcBef>
+              <a:buClr>
+                <a:srgbClr val="002060"/>
+              </a:buClr>
+              <a:buFont typeface="Georgia"/>
+              <a:buChar char="▫"/>
+            </a:pPr>
+            <a:r>
+              <a:rPr b="0" lang="pt-BR" sz="2600" spc="-1" strike="noStrike">
+                <a:solidFill>
+                  <a:srgbClr val="b2b2b2"/>
+                </a:solidFill>
+                <a:latin typeface="Segoe UI"/>
+              </a:rPr>
+              <a:t>Detecção de comunidades</a:t>
+            </a:r>
+            <a:endParaRPr b="0" lang="pt-BR" sz="2600" spc="-1" strike="noStrike">
+              <a:solidFill>
+                <a:srgbClr val="b2b2b2"/>
+              </a:solidFill>
+              <a:latin typeface="Arial"/>
+            </a:endParaRPr>
+          </a:p>
+          <a:p>
+            <a:pPr lvl="1" marL="658440" indent="-246600">
+              <a:lnSpc>
+                <a:spcPct val="100000"/>
+              </a:lnSpc>
+              <a:spcBef>
+                <a:spcPts val="300"/>
+              </a:spcBef>
+              <a:buClr>
+                <a:srgbClr val="002060"/>
+              </a:buClr>
+              <a:buFont typeface="Georgia"/>
+              <a:buChar char="▫"/>
+            </a:pPr>
+            <a:r>
+              <a:rPr b="0" lang="pt-BR" sz="2800" spc="-1" strike="noStrike">
+                <a:solidFill>
+                  <a:srgbClr val="b2b2b2"/>
+                </a:solidFill>
+                <a:latin typeface="Segoe UI"/>
+              </a:rPr>
+              <a:t>Rankeamento dos nós</a:t>
+            </a:r>
+            <a:endParaRPr b="0" lang="pt-BR" sz="2800" spc="-1" strike="noStrike">
+              <a:solidFill>
+                <a:srgbClr val="b2b2b2"/>
+              </a:solidFill>
+              <a:latin typeface="Arial"/>
+            </a:endParaRPr>
+          </a:p>
+          <a:p>
+            <a:pPr lvl="1" marL="658440" indent="-246600">
+              <a:lnSpc>
+                <a:spcPct val="100000"/>
+              </a:lnSpc>
+              <a:spcBef>
+                <a:spcPts val="300"/>
+              </a:spcBef>
+              <a:buClr>
+                <a:srgbClr val="002060"/>
+              </a:buClr>
+              <a:buFont typeface="Georgia"/>
+              <a:buChar char="▫"/>
+            </a:pPr>
+            <a:r>
+              <a:rPr b="0" lang="pt-BR" sz="2800" spc="-1" strike="noStrike">
+                <a:solidFill>
+                  <a:srgbClr val="000000"/>
+                </a:solidFill>
+                <a:latin typeface="Segoe UI"/>
+              </a:rPr>
+              <a:t>Comparação com modelo aleatório (Erdos-Rényi)</a:t>
+            </a:r>
+            <a:endParaRPr b="0" lang="pt-BR" sz="2800" spc="-1" strike="noStrike">
+              <a:solidFill>
+                <a:srgbClr val="b2b2b2"/>
+              </a:solidFill>
+              <a:latin typeface="Arial"/>
+            </a:endParaRPr>
+          </a:p>
+          <a:p>
+            <a:pPr lvl="1" marL="658440" indent="-246600">
+              <a:lnSpc>
+                <a:spcPct val="100000"/>
+              </a:lnSpc>
+              <a:spcBef>
+                <a:spcPts val="300"/>
+              </a:spcBef>
+              <a:buClr>
+                <a:srgbClr val="002060"/>
+              </a:buClr>
+              <a:buFont typeface="Georgia"/>
+              <a:buChar char="▫"/>
+            </a:pPr>
+            <a:r>
+              <a:rPr b="0" lang="pt-BR" sz="2800" spc="-1" strike="noStrike">
+                <a:solidFill>
+                  <a:srgbClr val="b2b2b2"/>
+                </a:solidFill>
+                <a:latin typeface="Segoe UI"/>
+              </a:rPr>
+              <a:t>Predição de sucesso baseado em nota do IMDB</a:t>
+            </a:r>
+            <a:endParaRPr b="0" lang="pt-BR" sz="2800" spc="-1" strike="noStrike">
+              <a:solidFill>
+                <a:srgbClr val="b2b2b2"/>
+              </a:solidFill>
+              <a:latin typeface="Arial"/>
+            </a:endParaRPr>
+          </a:p>
+          <a:p>
+            <a:pPr marL="365760" indent="-255600">
+              <a:lnSpc>
+                <a:spcPct val="100000"/>
+              </a:lnSpc>
+              <a:spcBef>
+                <a:spcPts val="300"/>
+              </a:spcBef>
+              <a:buClr>
+                <a:srgbClr val="138600"/>
+              </a:buClr>
+              <a:buFont typeface="Georgia"/>
+              <a:buChar char="•"/>
+            </a:pPr>
+            <a:r>
+              <a:rPr b="0" lang="pt-BR" sz="2800" spc="-1" strike="noStrike">
+                <a:solidFill>
+                  <a:srgbClr val="b2b2b2"/>
+                </a:solidFill>
+                <a:latin typeface="Segoe UI"/>
+              </a:rPr>
+              <a:t>Conclusões e Trabalhos Futuros</a:t>
+            </a:r>
+            <a:endParaRPr b="0" lang="pt-BR" sz="2800" spc="-1" strike="noStrike">
+              <a:solidFill>
+                <a:srgbClr val="b2b2b2"/>
+              </a:solidFill>
               <a:latin typeface="Arial"/>
             </a:endParaRPr>
           </a:p>
@@ -19582,6 +19672,28 @@
           <a:effectRef idx="0"/>
           <a:fontRef idx="minor"/>
         </p:style>
+        <p:txBody>
+          <a:bodyPr lIns="90000" rIns="90000" tIns="45000" bIns="45000" anchor="ctr"/>
+          <a:p>
+            <a:pPr>
+              <a:lnSpc>
+                <a:spcPct val="100000"/>
+              </a:lnSpc>
+            </a:pPr>
+            <a:r>
+              <a:rPr b="0" lang="pt-BR" sz="3600" spc="-1" strike="noStrike">
+                <a:solidFill>
+                  <a:srgbClr val="000000"/>
+                </a:solidFill>
+                <a:latin typeface="Segoe UI"/>
+              </a:rPr>
+              <a:t>Rede em estudo vs Erdos-Rényi </a:t>
+            </a:r>
+            <a:endParaRPr b="0" lang="pt-BR" sz="3600" spc="-1" strike="noStrike">
+              <a:latin typeface="Arial"/>
+            </a:endParaRPr>
+          </a:p>
+        </p:txBody>
       </p:sp>
       <p:sp>
         <p:nvSpPr>
@@ -19591,8 +19703,8 @@
         </p:nvSpPr>
         <p:spPr>
           <a:xfrm>
-            <a:off x="8174880" y="2160"/>
-            <a:ext cx="761400" cy="365040"/>
+            <a:off x="107640" y="1592640"/>
+            <a:ext cx="8921880" cy="5084640"/>
           </a:xfrm>
           <a:prstGeom prst="rect">
             <a:avLst/>
@@ -19609,59 +19721,20 @@
           <a:fontRef idx="minor"/>
         </p:style>
         <p:txBody>
-          <a:bodyPr lIns="90000" rIns="90000" tIns="45000" bIns="45000" anchor="b"/>
-          <a:p>
-            <a:pPr algn="r">
-              <a:lnSpc>
-                <a:spcPct val="100000"/>
-              </a:lnSpc>
-            </a:pPr>
-            <a:fld id="{8C79271E-6383-450A-A027-9F014F25E1F9}" type="slidenum">
-              <a:rPr b="0" lang="pt-BR" sz="1800" spc="-1" strike="noStrike">
-                <a:solidFill>
-                  <a:srgbClr val="ffffff"/>
-                </a:solidFill>
-                <a:latin typeface="Segoe UI"/>
-              </a:rPr>
-              <a:t>1</a:t>
-            </a:fld>
-            <a:endParaRPr b="0" lang="pt-BR" sz="1800" spc="-1" strike="noStrike">
-              <a:latin typeface="Arial"/>
-            </a:endParaRPr>
-          </a:p>
-        </p:txBody>
-      </p:sp>
-      <p:sp>
-        <p:nvSpPr>
-          <p:cNvPr id="232" name="TextShape 3"/>
-          <p:cNvSpPr txBox="1"/>
-          <p:nvPr/>
-        </p:nvSpPr>
-        <p:spPr>
-          <a:xfrm>
-            <a:off x="5760" y="935640"/>
-            <a:ext cx="8922240" cy="5760360"/>
-          </a:xfrm>
-          <a:prstGeom prst="rect">
-            <a:avLst/>
-          </a:prstGeom>
-          <a:noFill/>
-          <a:ln>
-            <a:noFill/>
-          </a:ln>
-        </p:spPr>
-        <p:txBody>
           <a:bodyPr lIns="90000" rIns="90000" tIns="45000" bIns="45000">
             <a:normAutofit/>
           </a:bodyPr>
           <a:p>
-            <a:pPr marL="365760" indent="-255600">
+            <a:pPr marL="365760" indent="-255240">
               <a:lnSpc>
                 <a:spcPct val="100000"/>
               </a:lnSpc>
               <a:spcBef>
                 <a:spcPts val="300"/>
               </a:spcBef>
+              <a:spcAft>
+                <a:spcPts val="1199"/>
+              </a:spcAft>
               <a:buClr>
                 <a:srgbClr val="138600"/>
               </a:buClr>
@@ -19669,29 +19742,29 @@
               <a:buChar char="•"/>
             </a:pPr>
             <a:r>
-              <a:rPr b="0" lang="pt-BR" sz="2800" spc="-1" strike="noStrike">
-                <a:solidFill>
-                  <a:srgbClr val="b2b2b2"/>
-                </a:solidFill>
-                <a:latin typeface="Segoe UI"/>
-              </a:rPr>
-              <a:t>Introdução</a:t>
-            </a:r>
-            <a:endParaRPr b="0" lang="pt-BR" sz="2800" spc="-1" strike="noStrike">
-              <a:solidFill>
-                <a:srgbClr val="b2b2b2"/>
-              </a:solidFill>
-              <a:latin typeface="Arial"/>
-            </a:endParaRPr>
-          </a:p>
-          <a:p>
-            <a:pPr marL="365760" indent="-255600">
+              <a:rPr b="0" lang="pt-BR" sz="2200" spc="-1" strike="noStrike">
+                <a:solidFill>
+                  <a:srgbClr val="000000"/>
+                </a:solidFill>
+                <a:latin typeface="Segoe UI"/>
+              </a:rPr>
+              <a:t>A fim de se verificar se o processo de formação da rede se aproxima de um processo aleatório, gerou-se um modelo de Erdős–Rényi utilizando os parâmetros da componente principal para quantidade de nós e densidade</a:t>
+            </a:r>
+            <a:endParaRPr b="0" lang="pt-BR" sz="2200" spc="-1" strike="noStrike">
+              <a:latin typeface="Arial"/>
+            </a:endParaRPr>
+          </a:p>
+          <a:p>
+            <a:pPr marL="365760" indent="-255240">
               <a:lnSpc>
                 <a:spcPct val="100000"/>
               </a:lnSpc>
               <a:spcBef>
                 <a:spcPts val="300"/>
               </a:spcBef>
+              <a:spcAft>
+                <a:spcPts val="1199"/>
+              </a:spcAft>
               <a:buClr>
                 <a:srgbClr val="138600"/>
               </a:buClr>
@@ -19699,29 +19772,29 @@
               <a:buChar char="•"/>
             </a:pPr>
             <a:r>
-              <a:rPr b="0" lang="pt-BR" sz="2800" spc="-1" strike="noStrike">
-                <a:solidFill>
-                  <a:srgbClr val="b2b2b2"/>
-                </a:solidFill>
-                <a:latin typeface="Segoe UI"/>
-              </a:rPr>
-              <a:t>Objetivos</a:t>
-            </a:r>
-            <a:endParaRPr b="0" lang="pt-BR" sz="2800" spc="-1" strike="noStrike">
-              <a:solidFill>
-                <a:srgbClr val="b2b2b2"/>
-              </a:solidFill>
-              <a:latin typeface="Arial"/>
-            </a:endParaRPr>
-          </a:p>
-          <a:p>
-            <a:pPr marL="365760" indent="-255600">
+              <a:rPr b="0" lang="pt-BR" sz="2200" spc="-1" strike="noStrike">
+                <a:solidFill>
+                  <a:srgbClr val="000000"/>
+                </a:solidFill>
+                <a:latin typeface="Segoe UI"/>
+              </a:rPr>
+              <a:t>A rede obtida, como esperado, tem 29.440 nós e um número bem próximo de arestas (241.853).</a:t>
+            </a:r>
+            <a:endParaRPr b="0" lang="pt-BR" sz="2200" spc="-1" strike="noStrike">
+              <a:latin typeface="Arial"/>
+            </a:endParaRPr>
+          </a:p>
+          <a:p>
+            <a:pPr marL="365760" indent="-255240">
               <a:lnSpc>
                 <a:spcPct val="100000"/>
               </a:lnSpc>
               <a:spcBef>
                 <a:spcPts val="300"/>
               </a:spcBef>
+              <a:spcAft>
+                <a:spcPts val="1199"/>
+              </a:spcAft>
               <a:buClr>
                 <a:srgbClr val="138600"/>
               </a:buClr>
@@ -19729,29 +19802,40 @@
               <a:buChar char="•"/>
             </a:pPr>
             <a:r>
-              <a:rPr b="0" lang="pt-BR" sz="2800" spc="-1" strike="noStrike">
-                <a:solidFill>
-                  <a:srgbClr val="b2b2b2"/>
-                </a:solidFill>
-                <a:latin typeface="Segoe UI"/>
-              </a:rPr>
-              <a:t>Pré-processamento</a:t>
-            </a:r>
-            <a:endParaRPr b="0" lang="pt-BR" sz="2800" spc="-1" strike="noStrike">
-              <a:solidFill>
-                <a:srgbClr val="b2b2b2"/>
-              </a:solidFill>
-              <a:latin typeface="Arial"/>
-            </a:endParaRPr>
-          </a:p>
-          <a:p>
-            <a:pPr marL="365760" indent="-255600">
+              <a:rPr b="0" lang="pt-BR" sz="2200" spc="-1" strike="noStrike">
+                <a:solidFill>
+                  <a:srgbClr val="000000"/>
+                </a:solidFill>
+                <a:latin typeface="Segoe UI"/>
+              </a:rPr>
+              <a:t>Número de componentes conectados: 1 (componente principal contém todos os vértices)</a:t>
+            </a:r>
+            <a:br/>
+            <a:br/>
+            <a:r>
+              <a:rPr b="0" lang="pt-BR" sz="2200" spc="-1" strike="noStrike">
+                <a:solidFill>
+                  <a:srgbClr val="000000"/>
+                </a:solidFill>
+                <a:latin typeface="Segoe UI"/>
+              </a:rPr>
+              <a:t>Os coeficientes de aglomeração/triangulação são significativamente menores que a rede original:</a:t>
+            </a:r>
+            <a:endParaRPr b="0" lang="pt-BR" sz="2200" spc="-1" strike="noStrike">
+              <a:latin typeface="Arial"/>
+            </a:endParaRPr>
+          </a:p>
+          <a:p>
+            <a:pPr marL="365760" indent="-255240">
               <a:lnSpc>
                 <a:spcPct val="100000"/>
               </a:lnSpc>
               <a:spcBef>
                 <a:spcPts val="300"/>
               </a:spcBef>
+              <a:spcAft>
+                <a:spcPts val="1199"/>
+              </a:spcAft>
               <a:buClr>
                 <a:srgbClr val="138600"/>
               </a:buClr>
@@ -19759,29 +19843,29 @@
               <a:buChar char="•"/>
             </a:pPr>
             <a:r>
-              <a:rPr b="0" lang="pt-BR" sz="2800" spc="-1" strike="noStrike">
-                <a:solidFill>
-                  <a:srgbClr val="b2b2b2"/>
-                </a:solidFill>
-                <a:latin typeface="Segoe UI"/>
-              </a:rPr>
-              <a:t>Modelagem da rede</a:t>
-            </a:r>
-            <a:endParaRPr b="0" lang="pt-BR" sz="2800" spc="-1" strike="noStrike">
-              <a:solidFill>
-                <a:srgbClr val="b2b2b2"/>
-              </a:solidFill>
-              <a:latin typeface="Arial"/>
-            </a:endParaRPr>
-          </a:p>
-          <a:p>
-            <a:pPr marL="365760" indent="-255600">
+              <a:rPr b="0" lang="pt-BR" sz="2200" spc="-1" strike="noStrike">
+                <a:solidFill>
+                  <a:srgbClr val="000000"/>
+                </a:solidFill>
+                <a:latin typeface="Segoe UI"/>
+              </a:rPr>
+              <a:t>Coeficiente de clustering médio: 0.000587(…)</a:t>
+            </a:r>
+            <a:endParaRPr b="0" lang="pt-BR" sz="2200" spc="-1" strike="noStrike">
+              <a:latin typeface="Arial"/>
+            </a:endParaRPr>
+          </a:p>
+          <a:p>
+            <a:pPr marL="365760" indent="-255240">
               <a:lnSpc>
                 <a:spcPct val="100000"/>
               </a:lnSpc>
               <a:spcBef>
                 <a:spcPts val="300"/>
               </a:spcBef>
+              <a:spcAft>
+                <a:spcPts val="1199"/>
+              </a:spcAft>
               <a:buClr>
                 <a:srgbClr val="138600"/>
               </a:buClr>
@@ -19789,198 +19873,63 @@
               <a:buChar char="•"/>
             </a:pPr>
             <a:r>
-              <a:rPr b="0" lang="pt-BR" sz="2800" spc="-1" strike="noStrike">
-                <a:solidFill>
-                  <a:srgbClr val="000000"/>
-                </a:solidFill>
-                <a:latin typeface="Segoe UI"/>
-              </a:rPr>
-              <a:t>Análise geral da rede</a:t>
-            </a:r>
-            <a:endParaRPr b="0" lang="pt-BR" sz="2800" spc="-1" strike="noStrike">
-              <a:solidFill>
-                <a:srgbClr val="b2b2b2"/>
-              </a:solidFill>
-              <a:latin typeface="Arial"/>
-            </a:endParaRPr>
-          </a:p>
-          <a:p>
-            <a:pPr lvl="1" marL="658440" indent="-246600">
-              <a:lnSpc>
-                <a:spcPct val="100000"/>
-              </a:lnSpc>
-              <a:spcBef>
-                <a:spcPts val="300"/>
-              </a:spcBef>
-              <a:buClr>
-                <a:srgbClr val="002060"/>
-              </a:buClr>
-              <a:buFont typeface="Georgia"/>
-              <a:buChar char="▫"/>
-            </a:pPr>
-            <a:r>
-              <a:rPr b="0" lang="pt-BR" sz="2600" spc="-1" strike="noStrike">
-                <a:solidFill>
-                  <a:srgbClr val="b2b2b2"/>
-                </a:solidFill>
-                <a:latin typeface="Segoe UI"/>
-              </a:rPr>
-              <a:t>Sumarização de indicadores descritivos da rede</a:t>
-            </a:r>
-            <a:endParaRPr b="0" lang="pt-BR" sz="2600" spc="-1" strike="noStrike">
-              <a:solidFill>
-                <a:srgbClr val="b2b2b2"/>
-              </a:solidFill>
-              <a:latin typeface="Arial"/>
-            </a:endParaRPr>
-          </a:p>
-          <a:p>
-            <a:pPr lvl="1" marL="658440" indent="-246600">
-              <a:lnSpc>
-                <a:spcPct val="100000"/>
-              </a:lnSpc>
-              <a:spcBef>
-                <a:spcPts val="300"/>
-              </a:spcBef>
-              <a:buClr>
-                <a:srgbClr val="002060"/>
-              </a:buClr>
-              <a:buFont typeface="Georgia"/>
-              <a:buChar char="▫"/>
-            </a:pPr>
-            <a:r>
-              <a:rPr b="0" lang="pt-BR" sz="2600" spc="-1" strike="noStrike">
-                <a:solidFill>
-                  <a:srgbClr val="b2b2b2"/>
-                </a:solidFill>
-                <a:latin typeface="Segoe UI"/>
-              </a:rPr>
-              <a:t>Detecção de comunidades</a:t>
-            </a:r>
-            <a:endParaRPr b="0" lang="pt-BR" sz="2600" spc="-1" strike="noStrike">
-              <a:solidFill>
-                <a:srgbClr val="b2b2b2"/>
-              </a:solidFill>
-              <a:latin typeface="Arial"/>
-            </a:endParaRPr>
-          </a:p>
-          <a:p>
-            <a:pPr lvl="1" marL="658440" indent="-246600">
-              <a:lnSpc>
-                <a:spcPct val="100000"/>
-              </a:lnSpc>
-              <a:spcBef>
-                <a:spcPts val="300"/>
-              </a:spcBef>
-              <a:buClr>
-                <a:srgbClr val="002060"/>
-              </a:buClr>
-              <a:buFont typeface="Georgia"/>
-              <a:buChar char="▫"/>
-            </a:pPr>
-            <a:r>
-              <a:rPr b="0" lang="pt-BR" sz="2800" spc="-1" strike="noStrike">
-                <a:solidFill>
-                  <a:srgbClr val="b2b2b2"/>
-                </a:solidFill>
-                <a:latin typeface="Segoe UI"/>
-              </a:rPr>
-              <a:t>Rankeamento dos nós</a:t>
-            </a:r>
-            <a:endParaRPr b="0" lang="pt-BR" sz="2800" spc="-1" strike="noStrike">
-              <a:solidFill>
-                <a:srgbClr val="b2b2b2"/>
-              </a:solidFill>
-              <a:latin typeface="Arial"/>
-            </a:endParaRPr>
-          </a:p>
-          <a:p>
-            <a:pPr lvl="1" marL="658440" indent="-246600">
-              <a:lnSpc>
-                <a:spcPct val="100000"/>
-              </a:lnSpc>
-              <a:spcBef>
-                <a:spcPts val="300"/>
-              </a:spcBef>
-              <a:buClr>
-                <a:srgbClr val="002060"/>
-              </a:buClr>
-              <a:buFont typeface="Georgia"/>
-              <a:buChar char="▫"/>
-            </a:pPr>
-            <a:r>
-              <a:rPr b="0" lang="pt-BR" sz="2800" spc="-1" strike="noStrike">
-                <a:solidFill>
-                  <a:srgbClr val="000000"/>
-                </a:solidFill>
-                <a:latin typeface="Segoe UI"/>
-              </a:rPr>
-              <a:t>Comparação com modelo aleatório (Erdos-Rényi)</a:t>
-            </a:r>
-            <a:endParaRPr b="0" lang="pt-BR" sz="2800" spc="-1" strike="noStrike">
-              <a:solidFill>
-                <a:srgbClr val="b2b2b2"/>
-              </a:solidFill>
-              <a:latin typeface="Arial"/>
-            </a:endParaRPr>
-          </a:p>
-          <a:p>
-            <a:pPr lvl="1" marL="658440" indent="-246600">
-              <a:lnSpc>
-                <a:spcPct val="100000"/>
-              </a:lnSpc>
-              <a:spcBef>
-                <a:spcPts val="300"/>
-              </a:spcBef>
-              <a:buClr>
-                <a:srgbClr val="002060"/>
-              </a:buClr>
-              <a:buFont typeface="Georgia"/>
-              <a:buChar char="▫"/>
-            </a:pPr>
-            <a:r>
-              <a:rPr b="0" lang="pt-BR" sz="2800" spc="-1" strike="noStrike">
-                <a:solidFill>
-                  <a:srgbClr val="b2b2b2"/>
-                </a:solidFill>
-                <a:latin typeface="Segoe UI"/>
-              </a:rPr>
-              <a:t>Predição de sucesso baseado em nota do IMDB</a:t>
-            </a:r>
-            <a:endParaRPr b="0" lang="pt-BR" sz="2800" spc="-1" strike="noStrike">
-              <a:solidFill>
-                <a:srgbClr val="b2b2b2"/>
-              </a:solidFill>
-              <a:latin typeface="Arial"/>
-            </a:endParaRPr>
-          </a:p>
-          <a:p>
-            <a:pPr marL="365760" indent="-255600">
-              <a:lnSpc>
-                <a:spcPct val="100000"/>
-              </a:lnSpc>
-              <a:spcBef>
-                <a:spcPts val="300"/>
-              </a:spcBef>
-              <a:buClr>
-                <a:srgbClr val="138600"/>
-              </a:buClr>
-              <a:buFont typeface="Georgia"/>
-              <a:buChar char="•"/>
-            </a:pPr>
-            <a:r>
-              <a:rPr b="0" lang="pt-BR" sz="2800" spc="-1" strike="noStrike">
-                <a:solidFill>
-                  <a:srgbClr val="b2b2b2"/>
-                </a:solidFill>
-                <a:latin typeface="Segoe UI"/>
-              </a:rPr>
-              <a:t>Conclusões e Trabalhos Futuros</a:t>
-            </a:r>
-            <a:endParaRPr b="0" lang="pt-BR" sz="2800" spc="-1" strike="noStrike">
-              <a:solidFill>
-                <a:srgbClr val="b2b2b2"/>
-              </a:solidFill>
+              <a:rPr b="0" lang="pt-BR" sz="2200" spc="-1" strike="noStrike">
+                <a:solidFill>
+                  <a:srgbClr val="000000"/>
+                </a:solidFill>
+                <a:latin typeface="Segoe UI"/>
+              </a:rPr>
+              <a:t>Fechamento tríadico: 0.000582(...)</a:t>
+            </a:r>
+            <a:endParaRPr b="0" lang="pt-BR" sz="2200" spc="-1" strike="noStrike">
+              <a:latin typeface="Arial"/>
+            </a:endParaRPr>
+          </a:p>
+        </p:txBody>
+      </p:sp>
+      <p:sp>
+        <p:nvSpPr>
+          <p:cNvPr id="232" name="CustomShape 3"/>
+          <p:cNvSpPr/>
+          <p:nvPr/>
+        </p:nvSpPr>
+        <p:spPr>
+          <a:xfrm>
+            <a:off x="8174880" y="2160"/>
+            <a:ext cx="761400" cy="365040"/>
+          </a:xfrm>
+          <a:prstGeom prst="rect">
+            <a:avLst/>
+          </a:prstGeom>
+          <a:noFill/>
+          <a:ln>
+            <a:noFill/>
+          </a:ln>
+        </p:spPr>
+        <p:style>
+          <a:lnRef idx="0"/>
+          <a:fillRef idx="0"/>
+          <a:effectRef idx="0"/>
+          <a:fontRef idx="minor"/>
+        </p:style>
+        <p:txBody>
+          <a:bodyPr lIns="90000" rIns="90000" tIns="45000" bIns="45000" anchor="b"/>
+          <a:p>
+            <a:pPr algn="r">
+              <a:lnSpc>
+                <a:spcPct val="100000"/>
+              </a:lnSpc>
+            </a:pPr>
+            <a:fld id="{25CC51B3-E999-463F-B9D2-35342204FD9D}" type="slidenum">
+              <a:rPr b="0" lang="pt-BR" sz="1800" spc="-1" strike="noStrike">
+                <a:solidFill>
+                  <a:srgbClr val="ffffff"/>
+                </a:solidFill>
+                <a:latin typeface="Segoe UI"/>
+              </a:rPr>
+              <a:t>1</a:t>
+            </a:fld>
+            <a:endParaRPr b="0" lang="pt-BR" sz="1800" spc="-1" strike="noStrike">
               <a:latin typeface="Arial"/>
             </a:endParaRPr>
           </a:p>
@@ -20091,7 +20040,7 @@
         </p:nvSpPr>
         <p:spPr>
           <a:xfrm>
-            <a:off x="107640" y="1592640"/>
+            <a:off x="107640" y="1556640"/>
             <a:ext cx="8921880" cy="5084640"/>
           </a:xfrm>
           <a:prstGeom prst="rect">
@@ -20136,8 +20085,88 @@
                 </a:solidFill>
                 <a:latin typeface="Segoe UI"/>
               </a:rPr>
-              <a:t>A fim de se verificar se o processo de formação da rede se aproxima de um processo aleatório, gerou-se um modelo de Erdős–Rényi utilizando os parâmetros da componente principal para quantidade de nós e densidade</a:t>
-            </a:r>
+              <a:t>A diferença na formação das redes fica evidente ao observar a distribuição de graus dos nós:</a:t>
+            </a:r>
+            <a:endParaRPr b="0" lang="pt-BR" sz="2200" spc="-1" strike="noStrike">
+              <a:latin typeface="Arial"/>
+            </a:endParaRPr>
+          </a:p>
+          <a:p>
+            <a:pPr>
+              <a:lnSpc>
+                <a:spcPct val="100000"/>
+              </a:lnSpc>
+              <a:spcBef>
+                <a:spcPts val="300"/>
+              </a:spcBef>
+              <a:spcAft>
+                <a:spcPts val="1199"/>
+              </a:spcAft>
+            </a:pPr>
+            <a:endParaRPr b="0" lang="pt-BR" sz="2200" spc="-1" strike="noStrike">
+              <a:latin typeface="Arial"/>
+            </a:endParaRPr>
+          </a:p>
+          <a:p>
+            <a:pPr>
+              <a:lnSpc>
+                <a:spcPct val="100000"/>
+              </a:lnSpc>
+              <a:spcBef>
+                <a:spcPts val="300"/>
+              </a:spcBef>
+              <a:spcAft>
+                <a:spcPts val="1199"/>
+              </a:spcAft>
+            </a:pPr>
+            <a:endParaRPr b="0" lang="pt-BR" sz="2200" spc="-1" strike="noStrike">
+              <a:latin typeface="Arial"/>
+            </a:endParaRPr>
+          </a:p>
+          <a:p>
+            <a:pPr>
+              <a:lnSpc>
+                <a:spcPct val="100000"/>
+              </a:lnSpc>
+              <a:spcBef>
+                <a:spcPts val="300"/>
+              </a:spcBef>
+              <a:spcAft>
+                <a:spcPts val="1199"/>
+              </a:spcAft>
+            </a:pPr>
+            <a:endParaRPr b="0" lang="pt-BR" sz="2200" spc="-1" strike="noStrike">
+              <a:latin typeface="Arial"/>
+            </a:endParaRPr>
+          </a:p>
+          <a:p>
+            <a:pPr>
+              <a:lnSpc>
+                <a:spcPct val="100000"/>
+              </a:lnSpc>
+              <a:spcBef>
+                <a:spcPts val="300"/>
+              </a:spcBef>
+              <a:spcAft>
+                <a:spcPts val="1199"/>
+              </a:spcAft>
+            </a:pPr>
+            <a:endParaRPr b="0" lang="pt-BR" sz="2200" spc="-1" strike="noStrike">
+              <a:latin typeface="Arial"/>
+            </a:endParaRPr>
+          </a:p>
+          <a:p>
+            <a:pPr>
+              <a:lnSpc>
+                <a:spcPct val="100000"/>
+              </a:lnSpc>
+              <a:spcBef>
+                <a:spcPts val="300"/>
+              </a:spcBef>
+              <a:spcAft>
+                <a:spcPts val="1199"/>
+              </a:spcAft>
+            </a:pPr>
             <a:endParaRPr b="0" lang="pt-BR" sz="2200" spc="-1" strike="noStrike">
               <a:latin typeface="Arial"/>
             </a:endParaRPr>
@@ -20166,108 +20195,7 @@
                 </a:solidFill>
                 <a:latin typeface="Segoe UI"/>
               </a:rPr>
-              <a:t>A rede obtida, como esperado, tem 29.440 nós e um número bem próximo de arestas (241.853).</a:t>
-            </a:r>
-            <a:endParaRPr b="0" lang="pt-BR" sz="2200" spc="-1" strike="noStrike">
-              <a:latin typeface="Arial"/>
-            </a:endParaRPr>
-          </a:p>
-          <a:p>
-            <a:pPr marL="365760" indent="-255240">
-              <a:lnSpc>
-                <a:spcPct val="100000"/>
-              </a:lnSpc>
-              <a:spcBef>
-                <a:spcPts val="300"/>
-              </a:spcBef>
-              <a:spcAft>
-                <a:spcPts val="1199"/>
-              </a:spcAft>
-              <a:buClr>
-                <a:srgbClr val="138600"/>
-              </a:buClr>
-              <a:buFont typeface="Georgia"/>
-              <a:buChar char="•"/>
-            </a:pPr>
-            <a:r>
-              <a:rPr b="0" lang="pt-BR" sz="2200" spc="-1" strike="noStrike">
-                <a:solidFill>
-                  <a:srgbClr val="000000"/>
-                </a:solidFill>
-                <a:latin typeface="Segoe UI"/>
-              </a:rPr>
-              <a:t>Número de componentes conectados: 1 (componente principal contém todos os vértices)</a:t>
-            </a:r>
-            <a:br/>
-            <a:br/>
-            <a:r>
-              <a:rPr b="0" lang="pt-BR" sz="2200" spc="-1" strike="noStrike">
-                <a:solidFill>
-                  <a:srgbClr val="000000"/>
-                </a:solidFill>
-                <a:latin typeface="Segoe UI"/>
-              </a:rPr>
-              <a:t>Os coeficientes de aglomeração/triangulação são significativamente menores que a rede original:</a:t>
-            </a:r>
-            <a:endParaRPr b="0" lang="pt-BR" sz="2200" spc="-1" strike="noStrike">
-              <a:latin typeface="Arial"/>
-            </a:endParaRPr>
-          </a:p>
-          <a:p>
-            <a:pPr marL="365760" indent="-255240">
-              <a:lnSpc>
-                <a:spcPct val="100000"/>
-              </a:lnSpc>
-              <a:spcBef>
-                <a:spcPts val="300"/>
-              </a:spcBef>
-              <a:spcAft>
-                <a:spcPts val="1199"/>
-              </a:spcAft>
-              <a:buClr>
-                <a:srgbClr val="138600"/>
-              </a:buClr>
-              <a:buFont typeface="Georgia"/>
-              <a:buChar char="•"/>
-            </a:pPr>
-            <a:r>
-              <a:rPr b="0" lang="pt-BR" sz="2200" spc="-1" strike="noStrike">
-                <a:solidFill>
-                  <a:srgbClr val="000000"/>
-                </a:solidFill>
-                <a:latin typeface="Segoe UI"/>
-              </a:rPr>
-              <a:t>Coeficiente de clustering médio: 0.000587(…)</a:t>
-            </a:r>
-            <a:endParaRPr b="0" lang="pt-BR" sz="2200" spc="-1" strike="noStrike">
-              <a:latin typeface="Arial"/>
-            </a:endParaRPr>
-          </a:p>
-          <a:p>
-            <a:pPr marL="365760" indent="-255240">
-              <a:lnSpc>
-                <a:spcPct val="100000"/>
-              </a:lnSpc>
-              <a:spcBef>
-                <a:spcPts val="300"/>
-              </a:spcBef>
-              <a:spcAft>
-                <a:spcPts val="1199"/>
-              </a:spcAft>
-              <a:buClr>
-                <a:srgbClr val="138600"/>
-              </a:buClr>
-              <a:buFont typeface="Georgia"/>
-              <a:buChar char="•"/>
-            </a:pPr>
-            <a:r>
-              <a:rPr b="0" lang="pt-BR" sz="2200" spc="-1" strike="noStrike">
-                <a:solidFill>
-                  <a:srgbClr val="000000"/>
-                </a:solidFill>
-                <a:latin typeface="Segoe UI"/>
-              </a:rPr>
-              <a:t>Fechamento tríadico: 0.000582(...)</a:t>
+              <a:t>Enquanto a rede analisada (primeira) segue uma lei de potência em sua distribuição, a rede gerada aleatoriamente (segunda) segue uma distribuição normal.</a:t>
             </a:r>
             <a:endParaRPr b="0" lang="pt-BR" sz="2200" spc="-1" strike="noStrike">
               <a:latin typeface="Arial"/>
@@ -20308,7 +20236,7 @@
                 <a:spcPct val="100000"/>
               </a:lnSpc>
             </a:pPr>
-            <a:fld id="{4266F5A1-0C0E-402A-A9C4-603DEC43C0E4}" type="slidenum">
+            <a:fld id="{80A2F014-4A4A-40A2-AC17-A740101BD5B7}" type="slidenum">
               <a:rPr b="0" lang="pt-BR" sz="1800" spc="-1" strike="noStrike">
                 <a:solidFill>
                   <a:srgbClr val="ffffff"/>
@@ -20323,6 +20251,52 @@
           </a:p>
         </p:txBody>
       </p:sp>
+      <p:pic>
+        <p:nvPicPr>
+          <p:cNvPr id="236" name="" descr=""/>
+          <p:cNvPicPr/>
+          <p:nvPr/>
+        </p:nvPicPr>
+        <p:blipFill>
+          <a:blip r:embed="rId1"/>
+          <a:stretch/>
+        </p:blipFill>
+        <p:spPr>
+          <a:xfrm rot="4800">
+            <a:off x="429840" y="2487240"/>
+            <a:ext cx="4176000" cy="2405520"/>
+          </a:xfrm>
+          <a:prstGeom prst="rect">
+            <a:avLst/>
+          </a:prstGeom>
+          <a:ln>
+            <a:noFill/>
+          </a:ln>
+        </p:spPr>
+      </p:pic>
+      <p:pic>
+        <p:nvPicPr>
+          <p:cNvPr id="237" name="" descr=""/>
+          <p:cNvPicPr/>
+          <p:nvPr/>
+        </p:nvPicPr>
+        <p:blipFill>
+          <a:blip r:embed="rId2"/>
+          <a:stretch/>
+        </p:blipFill>
+        <p:spPr>
+          <a:xfrm>
+            <a:off x="4608000" y="2520000"/>
+            <a:ext cx="4149360" cy="2364480"/>
+          </a:xfrm>
+          <a:prstGeom prst="rect">
+            <a:avLst/>
+          </a:prstGeom>
+          <a:ln>
+            <a:noFill/>
+          </a:ln>
+        </p:spPr>
+      </p:pic>
     </p:spTree>
   </p:cSld>
   <p:timing>
@@ -20374,7 +20348,7 @@
       </p:grpSpPr>
       <p:sp>
         <p:nvSpPr>
-          <p:cNvPr id="236" name="CustomShape 1"/>
+          <p:cNvPr id="238" name="CustomShape 1"/>
           <p:cNvSpPr/>
           <p:nvPr/>
         </p:nvSpPr>
@@ -20397,39 +20371,17 @@
           <a:effectRef idx="0"/>
           <a:fontRef idx="minor"/>
         </p:style>
-        <p:txBody>
-          <a:bodyPr lIns="90000" rIns="90000" tIns="45000" bIns="45000" anchor="ctr"/>
-          <a:p>
-            <a:pPr>
-              <a:lnSpc>
-                <a:spcPct val="100000"/>
-              </a:lnSpc>
-            </a:pPr>
-            <a:r>
-              <a:rPr b="0" lang="pt-BR" sz="3600" spc="-1" strike="noStrike">
-                <a:solidFill>
-                  <a:srgbClr val="000000"/>
-                </a:solidFill>
-                <a:latin typeface="Segoe UI"/>
-              </a:rPr>
-              <a:t>Rede em estudo vs Erdos-Rényi </a:t>
-            </a:r>
-            <a:endParaRPr b="0" lang="pt-BR" sz="3600" spc="-1" strike="noStrike">
-              <a:latin typeface="Arial"/>
-            </a:endParaRPr>
-          </a:p>
-        </p:txBody>
-      </p:sp>
-      <p:sp>
-        <p:nvSpPr>
-          <p:cNvPr id="237" name="CustomShape 2"/>
+      </p:sp>
+      <p:sp>
+        <p:nvSpPr>
+          <p:cNvPr id="239" name="CustomShape 2"/>
           <p:cNvSpPr/>
           <p:nvPr/>
         </p:nvSpPr>
         <p:spPr>
           <a:xfrm>
-            <a:off x="107640" y="1556640"/>
-            <a:ext cx="8921880" cy="5084640"/>
+            <a:off x="8174880" y="2160"/>
+            <a:ext cx="761400" cy="365040"/>
           </a:xfrm>
           <a:prstGeom prst="rect">
             <a:avLst/>
@@ -20446,20 +20398,59 @@
           <a:fontRef idx="minor"/>
         </p:style>
         <p:txBody>
+          <a:bodyPr lIns="90000" rIns="90000" tIns="45000" bIns="45000" anchor="b"/>
+          <a:p>
+            <a:pPr algn="r">
+              <a:lnSpc>
+                <a:spcPct val="100000"/>
+              </a:lnSpc>
+            </a:pPr>
+            <a:fld id="{95EF2CFD-61AC-488D-904A-6B28354F4490}" type="slidenum">
+              <a:rPr b="0" lang="pt-BR" sz="1800" spc="-1" strike="noStrike">
+                <a:solidFill>
+                  <a:srgbClr val="ffffff"/>
+                </a:solidFill>
+                <a:latin typeface="Segoe UI"/>
+              </a:rPr>
+              <a:t>1</a:t>
+            </a:fld>
+            <a:endParaRPr b="0" lang="pt-BR" sz="1800" spc="-1" strike="noStrike">
+              <a:latin typeface="Arial"/>
+            </a:endParaRPr>
+          </a:p>
+        </p:txBody>
+      </p:sp>
+      <p:sp>
+        <p:nvSpPr>
+          <p:cNvPr id="240" name="TextShape 3"/>
+          <p:cNvSpPr txBox="1"/>
+          <p:nvPr/>
+        </p:nvSpPr>
+        <p:spPr>
+          <a:xfrm>
+            <a:off x="5760" y="935640"/>
+            <a:ext cx="8922240" cy="5760360"/>
+          </a:xfrm>
+          <a:prstGeom prst="rect">
+            <a:avLst/>
+          </a:prstGeom>
+          <a:noFill/>
+          <a:ln>
+            <a:noFill/>
+          </a:ln>
+        </p:spPr>
+        <p:txBody>
           <a:bodyPr lIns="90000" rIns="90000" tIns="45000" bIns="45000">
             <a:normAutofit/>
           </a:bodyPr>
           <a:p>
-            <a:pPr marL="365760" indent="-255240">
+            <a:pPr marL="365760" indent="-255600">
               <a:lnSpc>
                 <a:spcPct val="100000"/>
               </a:lnSpc>
               <a:spcBef>
                 <a:spcPts val="300"/>
               </a:spcBef>
-              <a:spcAft>
-                <a:spcPts val="1199"/>
-              </a:spcAft>
               <a:buClr>
                 <a:srgbClr val="138600"/>
               </a:buClr>
@@ -20467,109 +20458,29 @@
               <a:buChar char="•"/>
             </a:pPr>
             <a:r>
-              <a:rPr b="0" lang="pt-BR" sz="2200" spc="-1" strike="noStrike">
-                <a:solidFill>
-                  <a:srgbClr val="000000"/>
-                </a:solidFill>
-                <a:latin typeface="Segoe UI"/>
-              </a:rPr>
-              <a:t>A diferença na formação das redes fica evidente ao observar a distribuição de graus dos nós:</a:t>
-            </a:r>
-            <a:endParaRPr b="0" lang="pt-BR" sz="2200" spc="-1" strike="noStrike">
-              <a:latin typeface="Arial"/>
-            </a:endParaRPr>
-          </a:p>
-          <a:p>
-            <a:pPr>
+              <a:rPr b="0" lang="pt-BR" sz="2800" spc="-1" strike="noStrike">
+                <a:solidFill>
+                  <a:srgbClr val="b2b2b2"/>
+                </a:solidFill>
+                <a:latin typeface="Segoe UI"/>
+              </a:rPr>
+              <a:t>Introdução</a:t>
+            </a:r>
+            <a:endParaRPr b="0" lang="pt-BR" sz="2800" spc="-1" strike="noStrike">
+              <a:solidFill>
+                <a:srgbClr val="b2b2b2"/>
+              </a:solidFill>
+              <a:latin typeface="Arial"/>
+            </a:endParaRPr>
+          </a:p>
+          <a:p>
+            <a:pPr marL="365760" indent="-255600">
               <a:lnSpc>
                 <a:spcPct val="100000"/>
               </a:lnSpc>
               <a:spcBef>
                 <a:spcPts val="300"/>
               </a:spcBef>
-              <a:spcAft>
-                <a:spcPts val="1199"/>
-              </a:spcAft>
-            </a:pPr>
-            <a:endParaRPr b="0" lang="pt-BR" sz="2200" spc="-1" strike="noStrike">
-              <a:latin typeface="Arial"/>
-            </a:endParaRPr>
-          </a:p>
-          <a:p>
-            <a:pPr>
-              <a:lnSpc>
-                <a:spcPct val="100000"/>
-              </a:lnSpc>
-              <a:spcBef>
-                <a:spcPts val="300"/>
-              </a:spcBef>
-              <a:spcAft>
-                <a:spcPts val="1199"/>
-              </a:spcAft>
-            </a:pPr>
-            <a:endParaRPr b="0" lang="pt-BR" sz="2200" spc="-1" strike="noStrike">
-              <a:latin typeface="Arial"/>
-            </a:endParaRPr>
-          </a:p>
-          <a:p>
-            <a:pPr>
-              <a:lnSpc>
-                <a:spcPct val="100000"/>
-              </a:lnSpc>
-              <a:spcBef>
-                <a:spcPts val="300"/>
-              </a:spcBef>
-              <a:spcAft>
-                <a:spcPts val="1199"/>
-              </a:spcAft>
-            </a:pPr>
-            <a:endParaRPr b="0" lang="pt-BR" sz="2200" spc="-1" strike="noStrike">
-              <a:latin typeface="Arial"/>
-            </a:endParaRPr>
-          </a:p>
-          <a:p>
-            <a:pPr>
-              <a:lnSpc>
-                <a:spcPct val="100000"/>
-              </a:lnSpc>
-              <a:spcBef>
-                <a:spcPts val="300"/>
-              </a:spcBef>
-              <a:spcAft>
-                <a:spcPts val="1199"/>
-              </a:spcAft>
-            </a:pPr>
-            <a:endParaRPr b="0" lang="pt-BR" sz="2200" spc="-1" strike="noStrike">
-              <a:latin typeface="Arial"/>
-            </a:endParaRPr>
-          </a:p>
-          <a:p>
-            <a:pPr>
-              <a:lnSpc>
-                <a:spcPct val="100000"/>
-              </a:lnSpc>
-              <a:spcBef>
-                <a:spcPts val="300"/>
-              </a:spcBef>
-              <a:spcAft>
-                <a:spcPts val="1199"/>
-              </a:spcAft>
-            </a:pPr>
-            <a:endParaRPr b="0" lang="pt-BR" sz="2200" spc="-1" strike="noStrike">
-              <a:latin typeface="Arial"/>
-            </a:endParaRPr>
-          </a:p>
-          <a:p>
-            <a:pPr marL="365760" indent="-255240">
-              <a:lnSpc>
-                <a:spcPct val="100000"/>
-              </a:lnSpc>
-              <a:spcBef>
-                <a:spcPts val="300"/>
-              </a:spcBef>
-              <a:spcAft>
-                <a:spcPts val="1199"/>
-              </a:spcAft>
               <a:buClr>
                 <a:srgbClr val="138600"/>
               </a:buClr>
@@ -20577,114 +20488,293 @@
               <a:buChar char="•"/>
             </a:pPr>
             <a:r>
-              <a:rPr b="0" lang="pt-BR" sz="2200" spc="-1" strike="noStrike">
-                <a:solidFill>
-                  <a:srgbClr val="000000"/>
-                </a:solidFill>
-                <a:latin typeface="Segoe UI"/>
-              </a:rPr>
-              <a:t>Enquanto a rede analisada (primeira) segue uma lei de potência em sua distribuição, a rede gerada aleatoriamente (segunda) segue uma distribuição normal.</a:t>
-            </a:r>
-            <a:endParaRPr b="0" lang="pt-BR" sz="2200" spc="-1" strike="noStrike">
-              <a:latin typeface="Arial"/>
-            </a:endParaRPr>
-          </a:p>
-        </p:txBody>
-      </p:sp>
-      <p:sp>
-        <p:nvSpPr>
-          <p:cNvPr id="238" name="CustomShape 3"/>
-          <p:cNvSpPr/>
-          <p:nvPr/>
-        </p:nvSpPr>
-        <p:spPr>
-          <a:xfrm>
-            <a:off x="8174880" y="2160"/>
-            <a:ext cx="761400" cy="365040"/>
-          </a:xfrm>
-          <a:prstGeom prst="rect">
-            <a:avLst/>
-          </a:prstGeom>
-          <a:noFill/>
-          <a:ln>
-            <a:noFill/>
-          </a:ln>
-        </p:spPr>
-        <p:style>
-          <a:lnRef idx="0"/>
-          <a:fillRef idx="0"/>
-          <a:effectRef idx="0"/>
-          <a:fontRef idx="minor"/>
-        </p:style>
-        <p:txBody>
-          <a:bodyPr lIns="90000" rIns="90000" tIns="45000" bIns="45000" anchor="b"/>
-          <a:p>
-            <a:pPr algn="r">
-              <a:lnSpc>
-                <a:spcPct val="100000"/>
-              </a:lnSpc>
-            </a:pPr>
-            <a:fld id="{5C26B087-42EA-422B-9389-4AB197131E3E}" type="slidenum">
-              <a:rPr b="0" lang="pt-BR" sz="1800" spc="-1" strike="noStrike">
-                <a:solidFill>
-                  <a:srgbClr val="ffffff"/>
-                </a:solidFill>
-                <a:latin typeface="Segoe UI"/>
-              </a:rPr>
-              <a:t>1</a:t>
-            </a:fld>
-            <a:endParaRPr b="0" lang="pt-BR" sz="1800" spc="-1" strike="noStrike">
-              <a:latin typeface="Arial"/>
-            </a:endParaRPr>
-          </a:p>
-        </p:txBody>
-      </p:sp>
-      <p:pic>
-        <p:nvPicPr>
-          <p:cNvPr id="239" name="" descr=""/>
-          <p:cNvPicPr/>
-          <p:nvPr/>
-        </p:nvPicPr>
-        <p:blipFill>
-          <a:blip r:embed="rId1"/>
-          <a:stretch/>
-        </p:blipFill>
-        <p:spPr>
-          <a:xfrm rot="4800">
-            <a:off x="429840" y="2487240"/>
-            <a:ext cx="4176000" cy="2405520"/>
-          </a:xfrm>
-          <a:prstGeom prst="rect">
-            <a:avLst/>
-          </a:prstGeom>
-          <a:ln>
-            <a:noFill/>
-          </a:ln>
-        </p:spPr>
-      </p:pic>
-      <p:pic>
-        <p:nvPicPr>
-          <p:cNvPr id="240" name="" descr=""/>
-          <p:cNvPicPr/>
-          <p:nvPr/>
-        </p:nvPicPr>
-        <p:blipFill>
-          <a:blip r:embed="rId2"/>
-          <a:stretch/>
-        </p:blipFill>
-        <p:spPr>
-          <a:xfrm>
-            <a:off x="4608000" y="2520000"/>
-            <a:ext cx="4149360" cy="2364480"/>
-          </a:xfrm>
-          <a:prstGeom prst="rect">
-            <a:avLst/>
-          </a:prstGeom>
-          <a:ln>
-            <a:noFill/>
-          </a:ln>
-        </p:spPr>
-      </p:pic>
+              <a:rPr b="0" lang="pt-BR" sz="2800" spc="-1" strike="noStrike">
+                <a:solidFill>
+                  <a:srgbClr val="b2b2b2"/>
+                </a:solidFill>
+                <a:latin typeface="Segoe UI"/>
+              </a:rPr>
+              <a:t>Objetivos</a:t>
+            </a:r>
+            <a:endParaRPr b="0" lang="pt-BR" sz="2800" spc="-1" strike="noStrike">
+              <a:solidFill>
+                <a:srgbClr val="b2b2b2"/>
+              </a:solidFill>
+              <a:latin typeface="Arial"/>
+            </a:endParaRPr>
+          </a:p>
+          <a:p>
+            <a:pPr marL="365760" indent="-255600">
+              <a:lnSpc>
+                <a:spcPct val="100000"/>
+              </a:lnSpc>
+              <a:spcBef>
+                <a:spcPts val="300"/>
+              </a:spcBef>
+              <a:buClr>
+                <a:srgbClr val="138600"/>
+              </a:buClr>
+              <a:buFont typeface="Georgia"/>
+              <a:buChar char="•"/>
+            </a:pPr>
+            <a:r>
+              <a:rPr b="0" lang="pt-BR" sz="2800" spc="-1" strike="noStrike">
+                <a:solidFill>
+                  <a:srgbClr val="b2b2b2"/>
+                </a:solidFill>
+                <a:latin typeface="Segoe UI"/>
+              </a:rPr>
+              <a:t>Pré-processamento</a:t>
+            </a:r>
+            <a:endParaRPr b="0" lang="pt-BR" sz="2800" spc="-1" strike="noStrike">
+              <a:solidFill>
+                <a:srgbClr val="b2b2b2"/>
+              </a:solidFill>
+              <a:latin typeface="Arial"/>
+            </a:endParaRPr>
+          </a:p>
+          <a:p>
+            <a:pPr marL="365760" indent="-255600">
+              <a:lnSpc>
+                <a:spcPct val="100000"/>
+              </a:lnSpc>
+              <a:spcBef>
+                <a:spcPts val="300"/>
+              </a:spcBef>
+              <a:buClr>
+                <a:srgbClr val="138600"/>
+              </a:buClr>
+              <a:buFont typeface="Georgia"/>
+              <a:buChar char="•"/>
+            </a:pPr>
+            <a:r>
+              <a:rPr b="0" lang="pt-BR" sz="2800" spc="-1" strike="noStrike">
+                <a:solidFill>
+                  <a:srgbClr val="b2b2b2"/>
+                </a:solidFill>
+                <a:latin typeface="Segoe UI"/>
+              </a:rPr>
+              <a:t>Modelagem da rede</a:t>
+            </a:r>
+            <a:endParaRPr b="0" lang="pt-BR" sz="2800" spc="-1" strike="noStrike">
+              <a:solidFill>
+                <a:srgbClr val="b2b2b2"/>
+              </a:solidFill>
+              <a:latin typeface="Arial"/>
+            </a:endParaRPr>
+          </a:p>
+          <a:p>
+            <a:pPr marL="365760" indent="-255600">
+              <a:lnSpc>
+                <a:spcPct val="100000"/>
+              </a:lnSpc>
+              <a:spcBef>
+                <a:spcPts val="300"/>
+              </a:spcBef>
+              <a:buClr>
+                <a:srgbClr val="138600"/>
+              </a:buClr>
+              <a:buFont typeface="Georgia"/>
+              <a:buChar char="•"/>
+            </a:pPr>
+            <a:r>
+              <a:rPr b="0" lang="pt-BR" sz="2800" spc="-1" strike="noStrike">
+                <a:solidFill>
+                  <a:srgbClr val="000000"/>
+                </a:solidFill>
+                <a:latin typeface="Segoe UI"/>
+              </a:rPr>
+              <a:t>Análise geral da rede</a:t>
+            </a:r>
+            <a:endParaRPr b="0" lang="pt-BR" sz="2800" spc="-1" strike="noStrike">
+              <a:solidFill>
+                <a:srgbClr val="b2b2b2"/>
+              </a:solidFill>
+              <a:latin typeface="Arial"/>
+            </a:endParaRPr>
+          </a:p>
+          <a:p>
+            <a:pPr lvl="1" marL="658440" indent="-246600">
+              <a:lnSpc>
+                <a:spcPct val="100000"/>
+              </a:lnSpc>
+              <a:spcBef>
+                <a:spcPts val="300"/>
+              </a:spcBef>
+              <a:buClr>
+                <a:srgbClr val="002060"/>
+              </a:buClr>
+              <a:buFont typeface="Georgia"/>
+              <a:buChar char="▫"/>
+            </a:pPr>
+            <a:r>
+              <a:rPr b="0" lang="pt-BR" sz="2600" spc="-1" strike="noStrike">
+                <a:solidFill>
+                  <a:srgbClr val="b2b2b2"/>
+                </a:solidFill>
+                <a:latin typeface="Segoe UI"/>
+              </a:rPr>
+              <a:t>Sumarização de indicadores descritivos da rede</a:t>
+            </a:r>
+            <a:endParaRPr b="0" lang="pt-BR" sz="2600" spc="-1" strike="noStrike">
+              <a:solidFill>
+                <a:srgbClr val="b2b2b2"/>
+              </a:solidFill>
+              <a:latin typeface="Arial"/>
+            </a:endParaRPr>
+          </a:p>
+          <a:p>
+            <a:pPr lvl="1" marL="658440" indent="-246600">
+              <a:lnSpc>
+                <a:spcPct val="100000"/>
+              </a:lnSpc>
+              <a:spcBef>
+                <a:spcPts val="300"/>
+              </a:spcBef>
+              <a:buClr>
+                <a:srgbClr val="002060"/>
+              </a:buClr>
+              <a:buFont typeface="Georgia"/>
+              <a:buChar char="▫"/>
+            </a:pPr>
+            <a:r>
+              <a:rPr b="0" lang="pt-BR" sz="2600" spc="-1" strike="noStrike">
+                <a:solidFill>
+                  <a:srgbClr val="b2b2b2"/>
+                </a:solidFill>
+                <a:latin typeface="Segoe UI"/>
+              </a:rPr>
+              <a:t>Detecção de comunidades</a:t>
+            </a:r>
+            <a:endParaRPr b="0" lang="pt-BR" sz="2600" spc="-1" strike="noStrike">
+              <a:solidFill>
+                <a:srgbClr val="b2b2b2"/>
+              </a:solidFill>
+              <a:latin typeface="Arial"/>
+            </a:endParaRPr>
+          </a:p>
+          <a:p>
+            <a:pPr lvl="1" marL="658440" indent="-246600">
+              <a:lnSpc>
+                <a:spcPct val="100000"/>
+              </a:lnSpc>
+              <a:spcBef>
+                <a:spcPts val="300"/>
+              </a:spcBef>
+              <a:buClr>
+                <a:srgbClr val="002060"/>
+              </a:buClr>
+              <a:buFont typeface="Georgia"/>
+              <a:buChar char="▫"/>
+            </a:pPr>
+            <a:r>
+              <a:rPr b="0" lang="pt-BR" sz="2800" spc="-1" strike="noStrike">
+                <a:solidFill>
+                  <a:srgbClr val="b2b2b2"/>
+                </a:solidFill>
+                <a:latin typeface="Segoe UI"/>
+              </a:rPr>
+              <a:t>Rankeamento dos nós</a:t>
+            </a:r>
+            <a:endParaRPr b="0" lang="pt-BR" sz="2800" spc="-1" strike="noStrike">
+              <a:solidFill>
+                <a:srgbClr val="b2b2b2"/>
+              </a:solidFill>
+              <a:latin typeface="Arial"/>
+            </a:endParaRPr>
+          </a:p>
+          <a:p>
+            <a:pPr lvl="1" marL="658440" indent="-246600">
+              <a:lnSpc>
+                <a:spcPct val="100000"/>
+              </a:lnSpc>
+              <a:spcBef>
+                <a:spcPts val="300"/>
+              </a:spcBef>
+              <a:buClr>
+                <a:srgbClr val="002060"/>
+              </a:buClr>
+              <a:buFont typeface="Georgia"/>
+              <a:buChar char="▫"/>
+            </a:pPr>
+            <a:r>
+              <a:rPr b="0" lang="pt-BR" sz="2800" spc="-1" strike="noStrike">
+                <a:solidFill>
+                  <a:srgbClr val="b2b2b2"/>
+                </a:solidFill>
+                <a:latin typeface="Segoe UI"/>
+              </a:rPr>
+              <a:t>Comparação com modelo aleatório (Erdos-Rényi)</a:t>
+            </a:r>
+            <a:endParaRPr b="0" lang="pt-BR" sz="2800" spc="-1" strike="noStrike">
+              <a:solidFill>
+                <a:srgbClr val="b2b2b2"/>
+              </a:solidFill>
+              <a:latin typeface="Arial"/>
+            </a:endParaRPr>
+          </a:p>
+          <a:p>
+            <a:pPr lvl="1" marL="658440" indent="-246600">
+              <a:lnSpc>
+                <a:spcPct val="100000"/>
+              </a:lnSpc>
+              <a:spcBef>
+                <a:spcPts val="300"/>
+              </a:spcBef>
+              <a:buClr>
+                <a:srgbClr val="002060"/>
+              </a:buClr>
+              <a:buFont typeface="Georgia"/>
+              <a:buChar char="▫"/>
+            </a:pPr>
+            <a:r>
+              <a:rPr b="0" lang="pt-BR" sz="2800" spc="-1" strike="noStrike">
+                <a:solidFill>
+                  <a:srgbClr val="000000"/>
+                </a:solidFill>
+                <a:latin typeface="Segoe UI"/>
+              </a:rPr>
+              <a:t>Predição de sucesso baseado em nota do IMDB</a:t>
+            </a:r>
+            <a:endParaRPr b="0" lang="pt-BR" sz="2800" spc="-1" strike="noStrike">
+              <a:solidFill>
+                <a:srgbClr val="b2b2b2"/>
+              </a:solidFill>
+              <a:latin typeface="Arial"/>
+            </a:endParaRPr>
+          </a:p>
+          <a:p>
+            <a:pPr marL="365760" indent="-255600">
+              <a:lnSpc>
+                <a:spcPct val="100000"/>
+              </a:lnSpc>
+              <a:spcBef>
+                <a:spcPts val="300"/>
+              </a:spcBef>
+              <a:buClr>
+                <a:srgbClr val="138600"/>
+              </a:buClr>
+              <a:buFont typeface="Georgia"/>
+              <a:buChar char="•"/>
+            </a:pPr>
+            <a:r>
+              <a:rPr b="0" lang="pt-BR" sz="2800" spc="-1" strike="noStrike">
+                <a:solidFill>
+                  <a:srgbClr val="b2b2b2"/>
+                </a:solidFill>
+                <a:latin typeface="Segoe UI"/>
+              </a:rPr>
+              <a:t>Conclusões e Trabalhos Futuros</a:t>
+            </a:r>
+            <a:endParaRPr b="0" lang="pt-BR" sz="2800" spc="-1" strike="noStrike">
+              <a:solidFill>
+                <a:srgbClr val="b2b2b2"/>
+              </a:solidFill>
+              <a:latin typeface="Arial"/>
+            </a:endParaRPr>
+          </a:p>
+        </p:txBody>
+      </p:sp>
     </p:spTree>
   </p:cSld>
   <p:timing>
@@ -20759,6 +20849,28 @@
           <a:effectRef idx="0"/>
           <a:fontRef idx="minor"/>
         </p:style>
+        <p:txBody>
+          <a:bodyPr lIns="90000" rIns="90000" tIns="45000" bIns="45000" anchor="ctr"/>
+          <a:p>
+            <a:pPr>
+              <a:lnSpc>
+                <a:spcPct val="100000"/>
+              </a:lnSpc>
+            </a:pPr>
+            <a:r>
+              <a:rPr b="0" lang="pt-BR" sz="2800" spc="-1" strike="noStrike">
+                <a:solidFill>
+                  <a:srgbClr val="000000"/>
+                </a:solidFill>
+                <a:latin typeface="Segoe UI"/>
+              </a:rPr>
+              <a:t>Predição de sucesso em nota</a:t>
+            </a:r>
+            <a:endParaRPr b="0" lang="pt-BR" sz="2800" spc="-1" strike="noStrike">
+              <a:latin typeface="Arial"/>
+            </a:endParaRPr>
+          </a:p>
+        </p:txBody>
       </p:sp>
       <p:sp>
         <p:nvSpPr>
@@ -20768,8 +20880,8 @@
         </p:nvSpPr>
         <p:spPr>
           <a:xfrm>
-            <a:off x="8174880" y="2160"/>
-            <a:ext cx="761400" cy="365040"/>
+            <a:off x="107640" y="1556640"/>
+            <a:ext cx="8921880" cy="5084640"/>
           </a:xfrm>
           <a:prstGeom prst="rect">
             <a:avLst/>
@@ -20786,59 +20898,20 @@
           <a:fontRef idx="minor"/>
         </p:style>
         <p:txBody>
-          <a:bodyPr lIns="90000" rIns="90000" tIns="45000" bIns="45000" anchor="b"/>
-          <a:p>
-            <a:pPr algn="r">
-              <a:lnSpc>
-                <a:spcPct val="100000"/>
-              </a:lnSpc>
-            </a:pPr>
-            <a:fld id="{CBD7D0E3-D6CA-4BF8-9FD9-6C94C7DC6CF2}" type="slidenum">
-              <a:rPr b="0" lang="pt-BR" sz="1800" spc="-1" strike="noStrike">
-                <a:solidFill>
-                  <a:srgbClr val="ffffff"/>
-                </a:solidFill>
-                <a:latin typeface="Segoe UI"/>
-              </a:rPr>
-              <a:t>1</a:t>
-            </a:fld>
-            <a:endParaRPr b="0" lang="pt-BR" sz="1800" spc="-1" strike="noStrike">
-              <a:latin typeface="Arial"/>
-            </a:endParaRPr>
-          </a:p>
-        </p:txBody>
-      </p:sp>
-      <p:sp>
-        <p:nvSpPr>
-          <p:cNvPr id="243" name="TextShape 3"/>
-          <p:cNvSpPr txBox="1"/>
-          <p:nvPr/>
-        </p:nvSpPr>
-        <p:spPr>
-          <a:xfrm>
-            <a:off x="5760" y="935640"/>
-            <a:ext cx="8922240" cy="5760360"/>
-          </a:xfrm>
-          <a:prstGeom prst="rect">
-            <a:avLst/>
-          </a:prstGeom>
-          <a:noFill/>
-          <a:ln>
-            <a:noFill/>
-          </a:ln>
-        </p:spPr>
-        <p:txBody>
           <a:bodyPr lIns="90000" rIns="90000" tIns="45000" bIns="45000">
             <a:normAutofit/>
           </a:bodyPr>
           <a:p>
-            <a:pPr marL="365760" indent="-255600">
+            <a:pPr marL="365760" indent="-255240">
               <a:lnSpc>
                 <a:spcPct val="100000"/>
               </a:lnSpc>
               <a:spcBef>
                 <a:spcPts val="300"/>
               </a:spcBef>
+              <a:spcAft>
+                <a:spcPts val="1199"/>
+              </a:spcAft>
               <a:buClr>
                 <a:srgbClr val="138600"/>
               </a:buClr>
@@ -20846,29 +20919,29 @@
               <a:buChar char="•"/>
             </a:pPr>
             <a:r>
-              <a:rPr b="0" lang="pt-BR" sz="2800" spc="-1" strike="noStrike">
-                <a:solidFill>
-                  <a:srgbClr val="b2b2b2"/>
-                </a:solidFill>
-                <a:latin typeface="Segoe UI"/>
-              </a:rPr>
-              <a:t>Introdução</a:t>
-            </a:r>
-            <a:endParaRPr b="0" lang="pt-BR" sz="2800" spc="-1" strike="noStrike">
-              <a:solidFill>
-                <a:srgbClr val="b2b2b2"/>
-              </a:solidFill>
-              <a:latin typeface="Arial"/>
-            </a:endParaRPr>
-          </a:p>
-          <a:p>
-            <a:pPr marL="365760" indent="-255600">
+              <a:rPr b="0" lang="pt-BR" sz="2200" spc="-1" strike="noStrike">
+                <a:solidFill>
+                  <a:srgbClr val="000000"/>
+                </a:solidFill>
+                <a:latin typeface="Segoe UI"/>
+              </a:rPr>
+              <a:t>Hipótese: para cada nó, é possível predizer sua nota com base nas notas dos vizinhos?</a:t>
+            </a:r>
+            <a:endParaRPr b="0" lang="pt-BR" sz="2200" spc="-1" strike="noStrike">
+              <a:latin typeface="Arial"/>
+            </a:endParaRPr>
+          </a:p>
+          <a:p>
+            <a:pPr marL="365760" indent="-255240">
               <a:lnSpc>
                 <a:spcPct val="100000"/>
               </a:lnSpc>
               <a:spcBef>
                 <a:spcPts val="300"/>
               </a:spcBef>
+              <a:spcAft>
+                <a:spcPts val="1199"/>
+              </a:spcAft>
               <a:buClr>
                 <a:srgbClr val="138600"/>
               </a:buClr>
@@ -20876,29 +20949,29 @@
               <a:buChar char="•"/>
             </a:pPr>
             <a:r>
-              <a:rPr b="0" lang="pt-BR" sz="2800" spc="-1" strike="noStrike">
-                <a:solidFill>
-                  <a:srgbClr val="b2b2b2"/>
-                </a:solidFill>
-                <a:latin typeface="Segoe UI"/>
-              </a:rPr>
-              <a:t>Objetivos</a:t>
-            </a:r>
-            <a:endParaRPr b="0" lang="pt-BR" sz="2800" spc="-1" strike="noStrike">
-              <a:solidFill>
-                <a:srgbClr val="b2b2b2"/>
-              </a:solidFill>
-              <a:latin typeface="Arial"/>
-            </a:endParaRPr>
-          </a:p>
-          <a:p>
-            <a:pPr marL="365760" indent="-255600">
+              <a:rPr b="0" lang="pt-BR" sz="2200" spc="-1" strike="noStrike">
+                <a:solidFill>
+                  <a:srgbClr val="000000"/>
+                </a:solidFill>
+                <a:latin typeface="Segoe UI"/>
+              </a:rPr>
+              <a:t>Em um teste inicial de viabilidade, verifica-se uma alta correlação entre a nota do ator e a média dos vizinhos. Utilizando a correlação de Pearson: 0.96 (esperado pela estrutura de cliques da rede)</a:t>
+            </a:r>
+            <a:endParaRPr b="0" lang="pt-BR" sz="2200" spc="-1" strike="noStrike">
+              <a:latin typeface="Arial"/>
+            </a:endParaRPr>
+          </a:p>
+          <a:p>
+            <a:pPr marL="365760" indent="-255240">
               <a:lnSpc>
                 <a:spcPct val="100000"/>
               </a:lnSpc>
               <a:spcBef>
                 <a:spcPts val="300"/>
               </a:spcBef>
+              <a:spcAft>
+                <a:spcPts val="1199"/>
+              </a:spcAft>
               <a:buClr>
                 <a:srgbClr val="138600"/>
               </a:buClr>
@@ -20906,29 +20979,29 @@
               <a:buChar char="•"/>
             </a:pPr>
             <a:r>
-              <a:rPr b="0" lang="pt-BR" sz="2800" spc="-1" strike="noStrike">
-                <a:solidFill>
-                  <a:srgbClr val="b2b2b2"/>
-                </a:solidFill>
-                <a:latin typeface="Segoe UI"/>
-              </a:rPr>
-              <a:t>Pré-processamento</a:t>
-            </a:r>
-            <a:endParaRPr b="0" lang="pt-BR" sz="2800" spc="-1" strike="noStrike">
-              <a:solidFill>
-                <a:srgbClr val="b2b2b2"/>
-              </a:solidFill>
-              <a:latin typeface="Arial"/>
-            </a:endParaRPr>
-          </a:p>
-          <a:p>
-            <a:pPr marL="365760" indent="-255600">
+              <a:rPr b="0" lang="pt-BR" sz="2200" spc="-1" strike="noStrike">
+                <a:solidFill>
+                  <a:srgbClr val="000000"/>
+                </a:solidFill>
+                <a:latin typeface="Segoe UI"/>
+              </a:rPr>
+              <a:t>Utilizando a média como forma de predição, obtém-se um erro médio de 0.25 para a rede </a:t>
+            </a:r>
+            <a:endParaRPr b="0" lang="pt-BR" sz="2200" spc="-1" strike="noStrike">
+              <a:latin typeface="Arial"/>
+            </a:endParaRPr>
+          </a:p>
+          <a:p>
+            <a:pPr marL="365760" indent="-255240">
               <a:lnSpc>
                 <a:spcPct val="100000"/>
               </a:lnSpc>
               <a:spcBef>
                 <a:spcPts val="300"/>
               </a:spcBef>
+              <a:spcAft>
+                <a:spcPts val="1199"/>
+              </a:spcAft>
               <a:buClr>
                 <a:srgbClr val="138600"/>
               </a:buClr>
@@ -20936,228 +21009,63 @@
               <a:buChar char="•"/>
             </a:pPr>
             <a:r>
-              <a:rPr b="0" lang="pt-BR" sz="2800" spc="-1" strike="noStrike">
-                <a:solidFill>
-                  <a:srgbClr val="b2b2b2"/>
-                </a:solidFill>
-                <a:latin typeface="Segoe UI"/>
-              </a:rPr>
-              <a:t>Modelagem da rede</a:t>
-            </a:r>
-            <a:endParaRPr b="0" lang="pt-BR" sz="2800" spc="-1" strike="noStrike">
-              <a:solidFill>
-                <a:srgbClr val="b2b2b2"/>
-              </a:solidFill>
-              <a:latin typeface="Arial"/>
-            </a:endParaRPr>
-          </a:p>
-          <a:p>
-            <a:pPr marL="365760" indent="-255600">
-              <a:lnSpc>
-                <a:spcPct val="100000"/>
-              </a:lnSpc>
-              <a:spcBef>
-                <a:spcPts val="300"/>
-              </a:spcBef>
-              <a:buClr>
-                <a:srgbClr val="138600"/>
-              </a:buClr>
-              <a:buFont typeface="Georgia"/>
-              <a:buChar char="•"/>
-            </a:pPr>
-            <a:r>
-              <a:rPr b="0" lang="pt-BR" sz="2800" spc="-1" strike="noStrike">
-                <a:solidFill>
-                  <a:srgbClr val="000000"/>
-                </a:solidFill>
-                <a:latin typeface="Segoe UI"/>
-              </a:rPr>
-              <a:t>Análise geral da rede</a:t>
-            </a:r>
-            <a:endParaRPr b="0" lang="pt-BR" sz="2800" spc="-1" strike="noStrike">
-              <a:solidFill>
-                <a:srgbClr val="b2b2b2"/>
-              </a:solidFill>
-              <a:latin typeface="Arial"/>
-            </a:endParaRPr>
-          </a:p>
-          <a:p>
-            <a:pPr lvl="1" marL="658440" indent="-246600">
-              <a:lnSpc>
-                <a:spcPct val="100000"/>
-              </a:lnSpc>
-              <a:spcBef>
-                <a:spcPts val="300"/>
-              </a:spcBef>
-              <a:buClr>
-                <a:srgbClr val="002060"/>
-              </a:buClr>
-              <a:buFont typeface="Georgia"/>
-              <a:buChar char="▫"/>
-            </a:pPr>
-            <a:r>
-              <a:rPr b="0" lang="pt-BR" sz="2600" spc="-1" strike="noStrike">
-                <a:solidFill>
-                  <a:srgbClr val="b2b2b2"/>
-                </a:solidFill>
-                <a:latin typeface="Segoe UI"/>
-              </a:rPr>
-              <a:t>Sumarização de indicadores descritivos da rede</a:t>
-            </a:r>
-            <a:endParaRPr b="0" lang="pt-BR" sz="2600" spc="-1" strike="noStrike">
-              <a:solidFill>
-                <a:srgbClr val="b2b2b2"/>
-              </a:solidFill>
-              <a:latin typeface="Arial"/>
-            </a:endParaRPr>
-          </a:p>
-          <a:p>
-            <a:pPr lvl="1" marL="658440" indent="-246600">
-              <a:lnSpc>
-                <a:spcPct val="100000"/>
-              </a:lnSpc>
-              <a:spcBef>
-                <a:spcPts val="300"/>
-              </a:spcBef>
-              <a:buClr>
-                <a:srgbClr val="002060"/>
-              </a:buClr>
-              <a:buFont typeface="Georgia"/>
-              <a:buChar char="▫"/>
-            </a:pPr>
-            <a:r>
-              <a:rPr b="0" lang="pt-BR" sz="2600" spc="-1" strike="noStrike">
-                <a:solidFill>
-                  <a:srgbClr val="b2b2b2"/>
-                </a:solidFill>
-                <a:latin typeface="Segoe UI"/>
-              </a:rPr>
-              <a:t>Detecção de comunidades</a:t>
-            </a:r>
-            <a:endParaRPr b="0" lang="pt-BR" sz="2600" spc="-1" strike="noStrike">
-              <a:solidFill>
-                <a:srgbClr val="b2b2b2"/>
-              </a:solidFill>
-              <a:latin typeface="Arial"/>
-            </a:endParaRPr>
-          </a:p>
-          <a:p>
-            <a:pPr lvl="1" marL="658440" indent="-246600">
-              <a:lnSpc>
-                <a:spcPct val="100000"/>
-              </a:lnSpc>
-              <a:spcBef>
-                <a:spcPts val="300"/>
-              </a:spcBef>
-              <a:buClr>
-                <a:srgbClr val="002060"/>
-              </a:buClr>
-              <a:buFont typeface="Georgia"/>
-              <a:buChar char="▫"/>
-            </a:pPr>
-            <a:r>
-              <a:rPr b="0" lang="pt-BR" sz="2800" spc="-1" strike="noStrike">
-                <a:solidFill>
-                  <a:srgbClr val="b2b2b2"/>
-                </a:solidFill>
-                <a:latin typeface="Segoe UI"/>
-              </a:rPr>
-              <a:t>Rankeamento dos nós</a:t>
-            </a:r>
-            <a:endParaRPr b="0" lang="pt-BR" sz="2800" spc="-1" strike="noStrike">
-              <a:solidFill>
-                <a:srgbClr val="b2b2b2"/>
-              </a:solidFill>
-              <a:latin typeface="Arial"/>
-            </a:endParaRPr>
-          </a:p>
-          <a:p>
-            <a:pPr lvl="1" marL="658440" indent="-246600">
-              <a:lnSpc>
-                <a:spcPct val="100000"/>
-              </a:lnSpc>
-              <a:spcBef>
-                <a:spcPts val="300"/>
-              </a:spcBef>
-              <a:buClr>
-                <a:srgbClr val="002060"/>
-              </a:buClr>
-              <a:buFont typeface="Georgia"/>
-              <a:buChar char="▫"/>
-            </a:pPr>
-            <a:r>
-              <a:rPr b="0" lang="pt-BR" sz="2800" spc="-1" strike="noStrike">
-                <a:solidFill>
-                  <a:srgbClr val="b2b2b2"/>
-                </a:solidFill>
-                <a:latin typeface="Segoe UI"/>
-              </a:rPr>
-              <a:t>Comparação com modelo aleatório (Erdos-Rényi)</a:t>
-            </a:r>
-            <a:endParaRPr b="0" lang="pt-BR" sz="2800" spc="-1" strike="noStrike">
-              <a:solidFill>
-                <a:srgbClr val="b2b2b2"/>
-              </a:solidFill>
-              <a:latin typeface="Arial"/>
-            </a:endParaRPr>
-          </a:p>
-          <a:p>
-            <a:pPr lvl="1" marL="658440" indent="-246600">
-              <a:lnSpc>
-                <a:spcPct val="100000"/>
-              </a:lnSpc>
-              <a:spcBef>
-                <a:spcPts val="300"/>
-              </a:spcBef>
-              <a:buClr>
-                <a:srgbClr val="002060"/>
-              </a:buClr>
-              <a:buFont typeface="Georgia"/>
-              <a:buChar char="▫"/>
-            </a:pPr>
-            <a:r>
-              <a:rPr b="0" lang="pt-BR" sz="2800" spc="-1" strike="noStrike">
-                <a:solidFill>
-                  <a:srgbClr val="000000"/>
-                </a:solidFill>
-                <a:latin typeface="Segoe UI"/>
-              </a:rPr>
-              <a:t>Predição de sucesso baseado em nota do IMDB</a:t>
-            </a:r>
-            <a:endParaRPr b="0" lang="pt-BR" sz="2800" spc="-1" strike="noStrike">
-              <a:solidFill>
-                <a:srgbClr val="b2b2b2"/>
-              </a:solidFill>
-              <a:latin typeface="Arial"/>
-            </a:endParaRPr>
-          </a:p>
-          <a:p>
-            <a:pPr marL="365760" indent="-255600">
-              <a:lnSpc>
-                <a:spcPct val="100000"/>
-              </a:lnSpc>
-              <a:spcBef>
-                <a:spcPts val="300"/>
-              </a:spcBef>
-              <a:buClr>
-                <a:srgbClr val="138600"/>
-              </a:buClr>
-              <a:buFont typeface="Georgia"/>
-              <a:buChar char="•"/>
-            </a:pPr>
-            <a:r>
-              <a:rPr b="0" lang="pt-BR" sz="2800" spc="-1" strike="noStrike">
-                <a:solidFill>
-                  <a:srgbClr val="b2b2b2"/>
-                </a:solidFill>
-                <a:latin typeface="Segoe UI"/>
-              </a:rPr>
-              <a:t>Conclusões e Trabalhos Futuros</a:t>
-            </a:r>
-            <a:endParaRPr b="0" lang="pt-BR" sz="2800" spc="-1" strike="noStrike">
-              <a:solidFill>
-                <a:srgbClr val="b2b2b2"/>
-              </a:solidFill>
+              <a:rPr b="0" lang="pt-BR" sz="2200" spc="-1" strike="noStrike">
+                <a:solidFill>
+                  <a:srgbClr val="000000"/>
+                </a:solidFill>
+                <a:latin typeface="Segoe UI"/>
+              </a:rPr>
+              <a:t>Para melhorar a acurácia, utiliza-se os conjuntos de valores para definir uma função linear que possa predizer melhor a nota com base na média</a:t>
+            </a:r>
+            <a:endParaRPr b="0" lang="pt-BR" sz="2200" spc="-1" strike="noStrike">
+              <a:latin typeface="Arial"/>
+            </a:endParaRPr>
+          </a:p>
+        </p:txBody>
+      </p:sp>
+      <p:sp>
+        <p:nvSpPr>
+          <p:cNvPr id="243" name="CustomShape 3"/>
+          <p:cNvSpPr/>
+          <p:nvPr/>
+        </p:nvSpPr>
+        <p:spPr>
+          <a:xfrm>
+            <a:off x="8174880" y="2160"/>
+            <a:ext cx="761400" cy="365040"/>
+          </a:xfrm>
+          <a:prstGeom prst="rect">
+            <a:avLst/>
+          </a:prstGeom>
+          <a:noFill/>
+          <a:ln>
+            <a:noFill/>
+          </a:ln>
+        </p:spPr>
+        <p:style>
+          <a:lnRef idx="0"/>
+          <a:fillRef idx="0"/>
+          <a:effectRef idx="0"/>
+          <a:fontRef idx="minor"/>
+        </p:style>
+        <p:txBody>
+          <a:bodyPr lIns="90000" rIns="90000" tIns="45000" bIns="45000" anchor="b"/>
+          <a:p>
+            <a:pPr algn="r">
+              <a:lnSpc>
+                <a:spcPct val="100000"/>
+              </a:lnSpc>
+            </a:pPr>
+            <a:fld id="{84744074-FC36-48FB-B25D-2FB42FBE4A63}" type="slidenum">
+              <a:rPr b="0" lang="pt-BR" sz="1800" spc="-1" strike="noStrike">
+                <a:solidFill>
+                  <a:srgbClr val="ffffff"/>
+                </a:solidFill>
+                <a:latin typeface="Segoe UI"/>
+              </a:rPr>
+              <a:t>1</a:t>
+            </a:fld>
+            <a:endParaRPr b="0" lang="pt-BR" sz="1800" spc="-1" strike="noStrike">
               <a:latin typeface="Arial"/>
             </a:endParaRPr>
           </a:p>
@@ -21268,8 +21176,8 @@
         </p:nvSpPr>
         <p:spPr>
           <a:xfrm>
-            <a:off x="107640" y="1556640"/>
-            <a:ext cx="8921880" cy="5084640"/>
+            <a:off x="8174880" y="2160"/>
+            <a:ext cx="761400" cy="365040"/>
           </a:xfrm>
           <a:prstGeom prst="rect">
             <a:avLst/>
@@ -21286,11 +21194,82 @@
           <a:fontRef idx="minor"/>
         </p:style>
         <p:txBody>
+          <a:bodyPr lIns="90000" rIns="90000" tIns="45000" bIns="45000" anchor="b"/>
+          <a:p>
+            <a:pPr algn="r">
+              <a:lnSpc>
+                <a:spcPct val="100000"/>
+              </a:lnSpc>
+            </a:pPr>
+            <a:fld id="{431DD0FC-3090-413C-9D31-26CADA26AF2E}" type="slidenum">
+              <a:rPr b="0" lang="pt-BR" sz="1800" spc="-1" strike="noStrike">
+                <a:solidFill>
+                  <a:srgbClr val="ffffff"/>
+                </a:solidFill>
+                <a:latin typeface="Segoe UI"/>
+              </a:rPr>
+              <a:t>1</a:t>
+            </a:fld>
+            <a:endParaRPr b="0" lang="pt-BR" sz="1800" spc="-1" strike="noStrike">
+              <a:latin typeface="Arial"/>
+            </a:endParaRPr>
+          </a:p>
+        </p:txBody>
+      </p:sp>
+      <p:pic>
+        <p:nvPicPr>
+          <p:cNvPr id="246" name="" descr=""/>
+          <p:cNvPicPr/>
+          <p:nvPr/>
+        </p:nvPicPr>
+        <p:blipFill>
+          <a:blip r:embed="rId1"/>
+          <a:stretch/>
+        </p:blipFill>
+        <p:spPr>
+          <a:xfrm>
+            <a:off x="948240" y="2232000"/>
+            <a:ext cx="6683760" cy="3986280"/>
+          </a:xfrm>
+          <a:prstGeom prst="rect">
+            <a:avLst/>
+          </a:prstGeom>
+          <a:ln>
+            <a:noFill/>
+          </a:ln>
+        </p:spPr>
+      </p:pic>
+      <p:sp>
+        <p:nvSpPr>
+          <p:cNvPr id="247" name="CustomShape 3"/>
+          <p:cNvSpPr/>
+          <p:nvPr/>
+        </p:nvSpPr>
+        <p:spPr>
+          <a:xfrm>
+            <a:off x="107640" y="1556640"/>
+            <a:ext cx="8921880" cy="5084640"/>
+          </a:xfrm>
+          <a:prstGeom prst="rect">
+            <a:avLst/>
+          </a:prstGeom>
+          <a:noFill/>
+          <a:ln>
+            <a:noFill/>
+          </a:ln>
+        </p:spPr>
+        <p:style>
+          <a:lnRef idx="0"/>
+          <a:fillRef idx="0"/>
+          <a:effectRef idx="0"/>
+          <a:fontRef idx="minor"/>
+        </p:style>
+        <p:txBody>
           <a:bodyPr lIns="90000" rIns="90000" tIns="45000" bIns="45000">
             <a:normAutofit/>
           </a:bodyPr>
           <a:p>
-            <a:pPr marL="365760" indent="-255240">
+            <a:pPr>
               <a:lnSpc>
                 <a:spcPct val="100000"/>
               </a:lnSpc>
@@ -21300,11 +21279,6 @@
               <a:spcAft>
                 <a:spcPts val="1199"/>
               </a:spcAft>
-              <a:buClr>
-                <a:srgbClr val="138600"/>
-              </a:buClr>
-              <a:buFont typeface="Georgia"/>
-              <a:buChar char="•"/>
             </a:pPr>
             <a:r>
               <a:rPr b="0" lang="pt-BR" sz="2200" spc="-1" strike="noStrike">
@@ -21313,147 +21287,9 @@
                 </a:solidFill>
                 <a:latin typeface="Segoe UI"/>
               </a:rPr>
-              <a:t>Hipótese: para cada nó, é possível predizer sua nota com base nas notas dos vizinhos?</a:t>
+              <a:t>Utilizando regressão linear, obtém-se a função 1.22x -1.47</a:t>
             </a:r>
             <a:endParaRPr b="0" lang="pt-BR" sz="2200" spc="-1" strike="noStrike">
-              <a:latin typeface="Arial"/>
-            </a:endParaRPr>
-          </a:p>
-          <a:p>
-            <a:pPr marL="365760" indent="-255240">
-              <a:lnSpc>
-                <a:spcPct val="100000"/>
-              </a:lnSpc>
-              <a:spcBef>
-                <a:spcPts val="300"/>
-              </a:spcBef>
-              <a:spcAft>
-                <a:spcPts val="1199"/>
-              </a:spcAft>
-              <a:buClr>
-                <a:srgbClr val="138600"/>
-              </a:buClr>
-              <a:buFont typeface="Georgia"/>
-              <a:buChar char="•"/>
-            </a:pPr>
-            <a:r>
-              <a:rPr b="0" lang="pt-BR" sz="2200" spc="-1" strike="noStrike">
-                <a:solidFill>
-                  <a:srgbClr val="000000"/>
-                </a:solidFill>
-                <a:latin typeface="Segoe UI"/>
-              </a:rPr>
-              <a:t>Em um teste inicial de viabilidade, verifica-se uma alta correlação entre a nota do ator e a média dos vizinhos. Utilizando a correlação de Pearson: 0.96 (esperado pela estrutura de cliques da rede)</a:t>
-            </a:r>
-            <a:endParaRPr b="0" lang="pt-BR" sz="2200" spc="-1" strike="noStrike">
-              <a:latin typeface="Arial"/>
-            </a:endParaRPr>
-          </a:p>
-          <a:p>
-            <a:pPr marL="365760" indent="-255240">
-              <a:lnSpc>
-                <a:spcPct val="100000"/>
-              </a:lnSpc>
-              <a:spcBef>
-                <a:spcPts val="300"/>
-              </a:spcBef>
-              <a:spcAft>
-                <a:spcPts val="1199"/>
-              </a:spcAft>
-              <a:buClr>
-                <a:srgbClr val="138600"/>
-              </a:buClr>
-              <a:buFont typeface="Georgia"/>
-              <a:buChar char="•"/>
-            </a:pPr>
-            <a:r>
-              <a:rPr b="0" lang="pt-BR" sz="2200" spc="-1" strike="noStrike">
-                <a:solidFill>
-                  <a:srgbClr val="000000"/>
-                </a:solidFill>
-                <a:latin typeface="Segoe UI"/>
-              </a:rPr>
-              <a:t>Utilizando a média como forma de predição, obtém-se um erro médio de 0.25 para a rede </a:t>
-            </a:r>
-            <a:endParaRPr b="0" lang="pt-BR" sz="2200" spc="-1" strike="noStrike">
-              <a:latin typeface="Arial"/>
-            </a:endParaRPr>
-          </a:p>
-          <a:p>
-            <a:pPr marL="365760" indent="-255240">
-              <a:lnSpc>
-                <a:spcPct val="100000"/>
-              </a:lnSpc>
-              <a:spcBef>
-                <a:spcPts val="300"/>
-              </a:spcBef>
-              <a:spcAft>
-                <a:spcPts val="1199"/>
-              </a:spcAft>
-              <a:buClr>
-                <a:srgbClr val="138600"/>
-              </a:buClr>
-              <a:buFont typeface="Georgia"/>
-              <a:buChar char="•"/>
-            </a:pPr>
-            <a:r>
-              <a:rPr b="0" lang="pt-BR" sz="2200" spc="-1" strike="noStrike">
-                <a:solidFill>
-                  <a:srgbClr val="000000"/>
-                </a:solidFill>
-                <a:latin typeface="Segoe UI"/>
-              </a:rPr>
-              <a:t>Para melhorar a acurácia, utiliza-se os conjuntos de valores para definir uma função linear que possa predizer melhor a nota com base na média</a:t>
-            </a:r>
-            <a:endParaRPr b="0" lang="pt-BR" sz="2200" spc="-1" strike="noStrike">
-              <a:latin typeface="Arial"/>
-            </a:endParaRPr>
-          </a:p>
-        </p:txBody>
-      </p:sp>
-      <p:sp>
-        <p:nvSpPr>
-          <p:cNvPr id="246" name="CustomShape 3"/>
-          <p:cNvSpPr/>
-          <p:nvPr/>
-        </p:nvSpPr>
-        <p:spPr>
-          <a:xfrm>
-            <a:off x="8174880" y="2160"/>
-            <a:ext cx="761400" cy="365040"/>
-          </a:xfrm>
-          <a:prstGeom prst="rect">
-            <a:avLst/>
-          </a:prstGeom>
-          <a:noFill/>
-          <a:ln>
-            <a:noFill/>
-          </a:ln>
-        </p:spPr>
-        <p:style>
-          <a:lnRef idx="0"/>
-          <a:fillRef idx="0"/>
-          <a:effectRef idx="0"/>
-          <a:fontRef idx="minor"/>
-        </p:style>
-        <p:txBody>
-          <a:bodyPr lIns="90000" rIns="90000" tIns="45000" bIns="45000" anchor="b"/>
-          <a:p>
-            <a:pPr algn="r">
-              <a:lnSpc>
-                <a:spcPct val="100000"/>
-              </a:lnSpc>
-            </a:pPr>
-            <a:fld id="{49A3B30B-1171-4133-A6AA-471F49D6ED01}" type="slidenum">
-              <a:rPr b="0" lang="pt-BR" sz="1800" spc="-1" strike="noStrike">
-                <a:solidFill>
-                  <a:srgbClr val="ffffff"/>
-                </a:solidFill>
-                <a:latin typeface="Segoe UI"/>
-              </a:rPr>
-              <a:t>1</a:t>
-            </a:fld>
-            <a:endParaRPr b="0" lang="pt-BR" sz="1800" spc="-1" strike="noStrike">
               <a:latin typeface="Arial"/>
             </a:endParaRPr>
           </a:p>
@@ -21510,7 +21346,7 @@
       </p:grpSpPr>
       <p:sp>
         <p:nvSpPr>
-          <p:cNvPr id="247" name="CustomShape 1"/>
+          <p:cNvPr id="248" name="CustomShape 1"/>
           <p:cNvSpPr/>
           <p:nvPr/>
         </p:nvSpPr>
@@ -21558,14 +21394,14 @@
       </p:sp>
       <p:sp>
         <p:nvSpPr>
-          <p:cNvPr id="248" name="CustomShape 2"/>
+          <p:cNvPr id="249" name="CustomShape 2"/>
           <p:cNvSpPr/>
           <p:nvPr/>
         </p:nvSpPr>
         <p:spPr>
           <a:xfrm>
-            <a:off x="8174880" y="2160"/>
-            <a:ext cx="761400" cy="365040"/>
+            <a:off x="107640" y="1556640"/>
+            <a:ext cx="8921880" cy="5084640"/>
           </a:xfrm>
           <a:prstGeom prst="rect">
             <a:avLst/>
@@ -21582,51 +21418,173 @@
           <a:fontRef idx="minor"/>
         </p:style>
         <p:txBody>
-          <a:bodyPr lIns="90000" rIns="90000" tIns="45000" bIns="45000" anchor="b"/>
-          <a:p>
-            <a:pPr algn="r">
-              <a:lnSpc>
-                <a:spcPct val="100000"/>
-              </a:lnSpc>
-            </a:pPr>
-            <a:fld id="{0F5350CD-A00C-4566-9B8E-0A9BDDD9DA19}" type="slidenum">
-              <a:rPr b="0" lang="pt-BR" sz="1800" spc="-1" strike="noStrike">
-                <a:solidFill>
-                  <a:srgbClr val="ffffff"/>
+          <a:bodyPr lIns="90000" rIns="90000" tIns="45000" bIns="45000">
+            <a:normAutofit/>
+          </a:bodyPr>
+          <a:p>
+            <a:pPr marL="365760" indent="-255240">
+              <a:lnSpc>
+                <a:spcPct val="100000"/>
+              </a:lnSpc>
+              <a:spcBef>
+                <a:spcPts val="300"/>
+              </a:spcBef>
+              <a:spcAft>
+                <a:spcPts val="1199"/>
+              </a:spcAft>
+              <a:buClr>
+                <a:srgbClr val="138600"/>
+              </a:buClr>
+              <a:buFont typeface="Georgia"/>
+              <a:buChar char="•"/>
+            </a:pPr>
+            <a:r>
+              <a:rPr b="0" lang="pt-BR" sz="2200" spc="-1" strike="noStrike">
+                <a:solidFill>
+                  <a:srgbClr val="000000"/>
+                </a:solidFill>
+                <a:latin typeface="Segoe UI"/>
+              </a:rPr>
+              <a:t>Utilizando a função linear de variável simples na predição, o </a:t>
+            </a:r>
+            <a:r>
+              <a:rPr b="0" lang="pt-BR" sz="2200" spc="-1" strike="noStrike">
+                <a:solidFill>
+                  <a:srgbClr val="000000"/>
+                </a:solidFill>
+                <a:latin typeface="Segoe UI"/>
+              </a:rPr>
+              <a:t>erro médio cai para  0.21(…)</a:t>
+            </a:r>
+            <a:endParaRPr b="0" lang="pt-BR" sz="2200" spc="-1" strike="noStrike">
+              <a:latin typeface="Arial"/>
+            </a:endParaRPr>
+          </a:p>
+          <a:p>
+            <a:pPr marL="365760" indent="-255240">
+              <a:lnSpc>
+                <a:spcPct val="100000"/>
+              </a:lnSpc>
+              <a:spcBef>
+                <a:spcPts val="300"/>
+              </a:spcBef>
+              <a:spcAft>
+                <a:spcPts val="1199"/>
+              </a:spcAft>
+              <a:buClr>
+                <a:srgbClr val="138600"/>
+              </a:buClr>
+              <a:buFont typeface="Georgia"/>
+              <a:buChar char="•"/>
+            </a:pPr>
+            <a:r>
+              <a:rPr b="0" lang="pt-BR" sz="2200" spc="-1" strike="noStrike">
+                <a:solidFill>
+                  <a:srgbClr val="000000"/>
+                </a:solidFill>
+                <a:latin typeface="Segoe UI"/>
+              </a:rPr>
+              <a:t>Hipótese: utilizar um modelo multi-variável que considere as </a:t>
+            </a:r>
+            <a:r>
+              <a:rPr b="0" lang="pt-BR" sz="2200" spc="-1" strike="noStrike">
+                <a:solidFill>
+                  <a:srgbClr val="000000"/>
+                </a:solidFill>
+                <a:latin typeface="Segoe UI"/>
+              </a:rPr>
+              <a:t>médias de vizinhos a distâncias N do vértice. Por exemplo, </a:t>
+            </a:r>
+            <a:r>
+              <a:rPr b="0" lang="pt-BR" sz="2200" spc="-1" strike="noStrike">
+                <a:solidFill>
+                  <a:srgbClr val="000000"/>
+                </a:solidFill>
+                <a:latin typeface="Segoe UI"/>
+              </a:rPr>
+              <a:t>para N=2, a média dos vizinhos dos vizinhos também são </a:t>
+            </a:r>
+            <a:r>
+              <a:rPr b="0" lang="pt-BR" sz="2200" spc="-1" strike="noStrike">
+                <a:solidFill>
+                  <a:srgbClr val="000000"/>
+                </a:solidFill>
+                <a:latin typeface="Segoe UI"/>
+              </a:rPr>
+              <a:t>consideradas para tentar ajustar melhor o modelo</a:t>
+            </a:r>
+            <a:endParaRPr b="0" lang="pt-BR" sz="2200" spc="-1" strike="noStrike">
+              <a:latin typeface="Arial"/>
+            </a:endParaRPr>
+          </a:p>
+          <a:p>
+            <a:pPr marL="365760" indent="-255240">
+              <a:lnSpc>
+                <a:spcPct val="100000"/>
+              </a:lnSpc>
+              <a:spcBef>
+                <a:spcPts val="300"/>
+              </a:spcBef>
+              <a:spcAft>
+                <a:spcPts val="1199"/>
+              </a:spcAft>
+              <a:buClr>
+                <a:srgbClr val="138600"/>
+              </a:buClr>
+              <a:buFont typeface="Georgia"/>
+              <a:buChar char="•"/>
+            </a:pPr>
+            <a:r>
+              <a:rPr b="0" lang="pt-BR" sz="2200" spc="-1" strike="noStrike">
+                <a:solidFill>
+                  <a:srgbClr val="000000"/>
+                </a:solidFill>
+                <a:latin typeface="Segoe UI"/>
+              </a:rPr>
+              <a:t>Fazendo o teste para N=2, obtém-se a f(x) = x</a:t>
+            </a:r>
+            <a:r>
+              <a:rPr b="0" lang="pt-BR" sz="2200" spc="-1" strike="noStrike" baseline="-101000">
+                <a:solidFill>
+                  <a:srgbClr val="000000"/>
                 </a:solidFill>
                 <a:latin typeface="Segoe UI"/>
               </a:rPr>
               <a:t>1</a:t>
-            </a:fld>
-            <a:endParaRPr b="0" lang="pt-BR" sz="1800" spc="-1" strike="noStrike">
-              <a:latin typeface="Arial"/>
-            </a:endParaRPr>
-          </a:p>
-        </p:txBody>
-      </p:sp>
-      <p:pic>
-        <p:nvPicPr>
-          <p:cNvPr id="249" name="" descr=""/>
-          <p:cNvPicPr/>
-          <p:nvPr/>
-        </p:nvPicPr>
-        <p:blipFill>
-          <a:blip r:embed="rId1"/>
-          <a:stretch/>
-        </p:blipFill>
-        <p:spPr>
-          <a:xfrm>
-            <a:off x="948240" y="2232000"/>
-            <a:ext cx="6683760" cy="3986280"/>
-          </a:xfrm>
-          <a:prstGeom prst="rect">
-            <a:avLst/>
-          </a:prstGeom>
-          <a:ln>
-            <a:noFill/>
-          </a:ln>
-        </p:spPr>
-      </p:pic>
+            </a:r>
+            <a:r>
+              <a:rPr b="0" lang="pt-BR" sz="2200" spc="-1" strike="noStrike">
+                <a:solidFill>
+                  <a:srgbClr val="000000"/>
+                </a:solidFill>
+                <a:latin typeface="Segoe UI"/>
+              </a:rPr>
+              <a:t> + x</a:t>
+            </a:r>
+            <a:r>
+              <a:rPr b="0" lang="pt-BR" sz="2200" spc="-1" strike="noStrike" baseline="-101000">
+                <a:solidFill>
+                  <a:srgbClr val="000000"/>
+                </a:solidFill>
+                <a:latin typeface="Segoe UI"/>
+              </a:rPr>
+              <a:t>2</a:t>
+            </a:r>
+            <a:r>
+              <a:rPr b="0" lang="pt-BR" sz="2200" spc="-1" strike="noStrike">
+                <a:solidFill>
+                  <a:srgbClr val="000000"/>
+                </a:solidFill>
+                <a:latin typeface="Segoe UI"/>
+              </a:rPr>
+              <a:t> +</a:t>
+            </a:r>
+            <a:endParaRPr b="0" lang="pt-BR" sz="2200" spc="-1" strike="noStrike">
+              <a:latin typeface="Arial"/>
+            </a:endParaRPr>
+          </a:p>
+        </p:txBody>
+      </p:sp>
       <p:sp>
         <p:nvSpPr>
           <p:cNvPr id="250" name="CustomShape 3"/>
@@ -21635,8 +21593,8 @@
         </p:nvSpPr>
         <p:spPr>
           <a:xfrm>
-            <a:off x="107640" y="1556640"/>
-            <a:ext cx="8921880" cy="5084640"/>
+            <a:off x="8174880" y="2160"/>
+            <a:ext cx="761400" cy="365040"/>
           </a:xfrm>
           <a:prstGeom prst="rect">
             <a:avLst/>
@@ -21653,31 +21611,23 @@
           <a:fontRef idx="minor"/>
         </p:style>
         <p:txBody>
-          <a:bodyPr lIns="90000" rIns="90000" tIns="45000" bIns="45000">
-            <a:normAutofit/>
-          </a:bodyPr>
-          <a:p>
-            <a:pPr>
-              <a:lnSpc>
-                <a:spcPct val="100000"/>
-              </a:lnSpc>
-              <a:spcBef>
-                <a:spcPts val="300"/>
-              </a:spcBef>
-              <a:spcAft>
-                <a:spcPts val="1199"/>
-              </a:spcAft>
-            </a:pPr>
-            <a:r>
-              <a:rPr b="0" lang="pt-BR" sz="2200" spc="-1" strike="noStrike">
-                <a:solidFill>
-                  <a:srgbClr val="000000"/>
-                </a:solidFill>
-                <a:latin typeface="Segoe UI"/>
-              </a:rPr>
-              <a:t>Utilizando regressão linear, obtém-se a função 1.22x -1.47</a:t>
-            </a:r>
-            <a:endParaRPr b="0" lang="pt-BR" sz="2200" spc="-1" strike="noStrike">
+          <a:bodyPr lIns="90000" rIns="90000" tIns="45000" bIns="45000" anchor="b"/>
+          <a:p>
+            <a:pPr algn="r">
+              <a:lnSpc>
+                <a:spcPct val="100000"/>
+              </a:lnSpc>
+            </a:pPr>
+            <a:fld id="{992C0B7A-E2A5-4281-AAA0-8875992A8036}" type="slidenum">
+              <a:rPr b="0" lang="pt-BR" sz="1800" spc="-1" strike="noStrike">
+                <a:solidFill>
+                  <a:srgbClr val="ffffff"/>
+                </a:solidFill>
+                <a:latin typeface="Segoe UI"/>
+              </a:rPr>
+              <a:t>1</a:t>
+            </a:fld>
+            <a:endParaRPr b="0" lang="pt-BR" sz="1800" spc="-1" strike="noStrike">
               <a:latin typeface="Arial"/>
             </a:endParaRPr>
           </a:p>
@@ -21791,7 +21741,7 @@
                 <a:spcPct val="100000"/>
               </a:lnSpc>
             </a:pPr>
-            <a:fld id="{47A45391-F66B-44FA-8A0F-B59B63F06260}" type="slidenum">
+            <a:fld id="{44E60E96-D237-424E-A454-3C15AB29F3F5}" type="slidenum">
               <a:rPr b="0" lang="pt-BR" sz="1800" spc="-1" strike="noStrike">
                 <a:solidFill>
                   <a:srgbClr val="ffffff"/>
@@ -22359,7 +22309,7 @@
                 <a:spcPct val="100000"/>
               </a:lnSpc>
             </a:pPr>
-            <a:fld id="{AC8D8053-EA91-472A-A62E-CAF8050976D6}" type="slidenum">
+            <a:fld id="{CF217F1C-8E9A-4013-96FD-ABBC698F1EF2}" type="slidenum">
               <a:rPr b="0" lang="pt-BR" sz="1800" spc="-1" strike="noStrike">
                 <a:solidFill>
                   <a:srgbClr val="ffffff"/>
@@ -22505,7 +22455,7 @@
                 <a:spcPct val="100000"/>
               </a:lnSpc>
             </a:pPr>
-            <a:fld id="{287768B0-F57A-4CF3-8CA3-1FA34F973828}" type="slidenum">
+            <a:fld id="{45122D7B-2AF3-4CBA-90DC-012BE012863A}" type="slidenum">
               <a:rPr b="0" lang="pt-BR" sz="1800" spc="-1" strike="noStrike">
                 <a:solidFill>
                   <a:srgbClr val="ffffff"/>
@@ -23121,6 +23071,36 @@
               <a:latin typeface="Arial"/>
             </a:endParaRPr>
           </a:p>
+          <a:p>
+            <a:pPr marL="365760" indent="-255240">
+              <a:lnSpc>
+                <a:spcPct val="100000"/>
+              </a:lnSpc>
+              <a:spcBef>
+                <a:spcPts val="300"/>
+              </a:spcBef>
+              <a:spcAft>
+                <a:spcPts val="1199"/>
+              </a:spcAft>
+              <a:buClr>
+                <a:srgbClr val="138600"/>
+              </a:buClr>
+              <a:buFont typeface="Georgia"/>
+              <a:buChar char="•"/>
+            </a:pPr>
+            <a:r>
+              <a:rPr b="0" lang="pt-BR" sz="2400" spc="-1" strike="noStrike">
+                <a:solidFill>
+                  <a:srgbClr val="000000"/>
+                </a:solidFill>
+                <a:latin typeface="Segoe UI"/>
+              </a:rPr>
+              <a:t>Remoção de outliers do modelo</a:t>
+            </a:r>
+            <a:endParaRPr b="0" lang="pt-BR" sz="2400" spc="-1" strike="noStrike">
+              <a:latin typeface="Arial"/>
+            </a:endParaRPr>
+          </a:p>
         </p:txBody>
       </p:sp>
       <p:sp>
@@ -23156,7 +23136,7 @@
                 <a:spcPct val="100000"/>
               </a:lnSpc>
             </a:pPr>
-            <a:fld id="{C2724F68-7E4C-4952-A83C-90C4A386FFFE}" type="slidenum">
+            <a:fld id="{AA94D7DB-B545-47B9-89B1-4799DA489E78}" type="slidenum">
               <a:rPr b="0" lang="pt-BR" sz="1800" spc="-1" strike="noStrike">
                 <a:solidFill>
                   <a:srgbClr val="ffffff"/>
@@ -23482,7 +23462,7 @@
                 <a:spcPct val="100000"/>
               </a:lnSpc>
             </a:pPr>
-            <a:fld id="{F9528D44-52D5-4A5D-A31D-628C150A2EC4}" type="slidenum">
+            <a:fld id="{E7EA969B-CD15-477E-8FC5-D9C034888958}" type="slidenum">
               <a:rPr b="0" lang="pt-BR" sz="1800" spc="-1" strike="noStrike">
                 <a:solidFill>
                   <a:srgbClr val="ffffff"/>
@@ -23605,7 +23585,7 @@
                 <a:spcPct val="100000"/>
               </a:lnSpc>
             </a:pPr>
-            <a:fld id="{DD1E9D2A-E7CC-4344-84D2-CB1FFEAD1AF7}" type="slidenum">
+            <a:fld id="{0C35E2A1-48CE-448D-B022-82ECAB3E3E9D}" type="slidenum">
               <a:rPr b="0" lang="pt-BR" sz="1800" spc="-1" strike="noStrike">
                 <a:solidFill>
                   <a:srgbClr val="ffffff"/>
@@ -24105,7 +24085,7 @@
                 <a:spcPct val="100000"/>
               </a:lnSpc>
             </a:pPr>
-            <a:fld id="{6DDBF2D8-39B2-4BA8-BBDB-27A7477E9463}" type="slidenum">
+            <a:fld id="{9C235FE4-4415-44D0-BFEE-E130FBDAE502}" type="slidenum">
               <a:rPr b="0" lang="pt-BR" sz="1800" spc="-1" strike="noStrike">
                 <a:solidFill>
                   <a:srgbClr val="ffffff"/>
@@ -24209,7 +24189,16 @@
                 </a:solidFill>
                 <a:latin typeface="Segoe UI"/>
               </a:rPr>
-              <a:t>Indicadores básicos de propriedade da rede (, diâmetro, grau médio, dentre outros)</a:t>
+              <a:t>Indicadores básicos de propriedade da rede (, </a:t>
+            </a:r>
+            <a:r>
+              <a:rPr b="0" lang="pt-BR" sz="2600" spc="-1" strike="noStrike">
+                <a:solidFill>
+                  <a:srgbClr val="000000"/>
+                </a:solidFill>
+                <a:latin typeface="Segoe UI"/>
+              </a:rPr>
+              <a:t>diâmetro, grau médio, dentre outros)</a:t>
             </a:r>
             <a:endParaRPr b="0" lang="pt-BR" sz="2600" spc="-1" strike="noStrike">
               <a:latin typeface="Arial"/>
@@ -24236,7 +24225,16 @@
                 </a:solidFill>
                 <a:latin typeface="Segoe UI"/>
               </a:rPr>
-              <a:t>Nós mais centrais/importantes da rede de acordo com métricas de maior grau, </a:t>
+              <a:t>Nós mais centrais/importantes da rede de </a:t>
+            </a:r>
+            <a:r>
+              <a:rPr b="0" lang="pt-BR" sz="2800" spc="-1" strike="noStrike">
+                <a:solidFill>
+                  <a:srgbClr val="000000"/>
+                </a:solidFill>
+                <a:latin typeface="Segoe UI"/>
+              </a:rPr>
+              <a:t>acordo com métricas de maior grau, </a:t>
             </a:r>
             <a:r>
               <a:rPr b="0" i="1" lang="pt-BR" sz="2800" spc="-1" strike="noStrike">
@@ -24308,7 +24306,16 @@
                 </a:solidFill>
                 <a:latin typeface="Segoe UI"/>
               </a:rPr>
-              <a:t>Detecção de comunidades utilizando o método Louvain</a:t>
+              <a:t>Detecção de comunidades utilizando o método </a:t>
+            </a:r>
+            <a:r>
+              <a:rPr b="0" lang="pt-BR" sz="2800" spc="-1" strike="noStrike">
+                <a:solidFill>
+                  <a:srgbClr val="000000"/>
+                </a:solidFill>
+                <a:latin typeface="Segoe UI"/>
+              </a:rPr>
+              <a:t>Louvain</a:t>
             </a:r>
             <a:endParaRPr b="0" lang="pt-BR" sz="2800" spc="-1" strike="noStrike">
               <a:latin typeface="Arial"/>
@@ -24335,7 +24342,25 @@
                 </a:solidFill>
                 <a:latin typeface="Segoe UI"/>
               </a:rPr>
-              <a:t>Hipótese: processo de geração da rede é aleatório? - comparativo com modelo aleatório de Erdos-Rényi</a:t>
+              <a:t>Hipótese: processo de geração da rede é </a:t>
+            </a:r>
+            <a:r>
+              <a:rPr b="0" lang="pt-BR" sz="2800" spc="-1" strike="noStrike">
+                <a:solidFill>
+                  <a:srgbClr val="000000"/>
+                </a:solidFill>
+                <a:latin typeface="Segoe UI"/>
+              </a:rPr>
+              <a:t>aleatório? - comparativo com modelo aleatório </a:t>
+            </a:r>
+            <a:r>
+              <a:rPr b="0" lang="pt-BR" sz="2800" spc="-1" strike="noStrike">
+                <a:solidFill>
+                  <a:srgbClr val="000000"/>
+                </a:solidFill>
+                <a:latin typeface="Segoe UI"/>
+              </a:rPr>
+              <a:t>de Erdos-Rényi</a:t>
             </a:r>
             <a:endParaRPr b="0" lang="pt-BR" sz="2800" spc="-1" strike="noStrike">
               <a:latin typeface="Arial"/>
@@ -24486,7 +24511,7 @@
                 <a:spcPct val="100000"/>
               </a:lnSpc>
             </a:pPr>
-            <a:fld id="{C73D0D63-CB48-4247-9AEA-5C49EB370D97}" type="slidenum">
+            <a:fld id="{81D148F6-24C2-4835-B569-C6D5B3CCD2D1}" type="slidenum">
               <a:rPr b="0" lang="pt-BR" sz="1800" spc="-1" strike="noStrike">
                 <a:solidFill>
                   <a:srgbClr val="ffffff"/>
@@ -24590,7 +24615,16 @@
                 </a:solidFill>
                 <a:latin typeface="Segoe UI"/>
               </a:rPr>
-              <a:t>Para cada série/filme/show, minerar a nota do IMDB como medida de avaliação</a:t>
+              <a:t>Para cada série/filme/show, minerar a nota do </a:t>
+            </a:r>
+            <a:r>
+              <a:rPr b="0" lang="pt-BR" sz="2600" spc="-1" strike="noStrike">
+                <a:solidFill>
+                  <a:srgbClr val="000000"/>
+                </a:solidFill>
+                <a:latin typeface="Segoe UI"/>
+              </a:rPr>
+              <a:t>IMDB como medida de avaliação</a:t>
             </a:r>
             <a:endParaRPr b="0" lang="pt-BR" sz="2600" spc="-1" strike="noStrike">
               <a:latin typeface="Arial"/>
@@ -24617,7 +24651,16 @@
                 </a:solidFill>
                 <a:latin typeface="Segoe UI"/>
               </a:rPr>
-              <a:t>Utilizar a estrutura da rede para previsão de sucesso baseado nos nós vizinhos</a:t>
+              <a:t>Utilizar a estrutura da rede para previsão de </a:t>
+            </a:r>
+            <a:r>
+              <a:rPr b="0" lang="pt-BR" sz="2600" spc="-1" strike="noStrike">
+                <a:solidFill>
+                  <a:srgbClr val="000000"/>
+                </a:solidFill>
+                <a:latin typeface="Segoe UI"/>
+              </a:rPr>
+              <a:t>sucesso baseado nos nós vizinhos</a:t>
             </a:r>
             <a:endParaRPr b="0" lang="pt-BR" sz="2600" spc="-1" strike="noStrike">
               <a:latin typeface="Arial"/>
@@ -24644,7 +24687,16 @@
                 </a:solidFill>
                 <a:latin typeface="Segoe UI"/>
               </a:rPr>
-              <a:t>Cada ator recebe uma nota média baseada nos registros de atuação em que aparece</a:t>
+              <a:t>Cada ator recebe uma nota média baseada nos </a:t>
+            </a:r>
+            <a:r>
+              <a:rPr b="0" lang="pt-BR" sz="2600" spc="-1" strike="noStrike">
+                <a:solidFill>
+                  <a:srgbClr val="000000"/>
+                </a:solidFill>
+                <a:latin typeface="Segoe UI"/>
+              </a:rPr>
+              <a:t>registros de atuação em que aparece</a:t>
             </a:r>
             <a:endParaRPr b="0" lang="pt-BR" sz="2600" spc="-1" strike="noStrike">
               <a:latin typeface="Arial"/>
@@ -24671,7 +24723,16 @@
                 </a:solidFill>
                 <a:latin typeface="Segoe UI"/>
               </a:rPr>
-              <a:t>Obter um modelo/função para previsão com base nos índices dos nós vizinhos</a:t>
+              <a:t>Obter um modelo/função para previsão com </a:t>
+            </a:r>
+            <a:r>
+              <a:rPr b="0" lang="pt-BR" sz="2600" spc="-1" strike="noStrike">
+                <a:solidFill>
+                  <a:srgbClr val="000000"/>
+                </a:solidFill>
+                <a:latin typeface="Segoe UI"/>
+              </a:rPr>
+              <a:t>base nos índices dos nós vizinhos</a:t>
             </a:r>
             <a:endParaRPr b="0" lang="pt-BR" sz="2600" spc="-1" strike="noStrike">
               <a:latin typeface="Arial"/>
@@ -24800,7 +24861,7 @@
                 <a:spcPct val="100000"/>
               </a:lnSpc>
             </a:pPr>
-            <a:fld id="{ACA4E8E9-7D68-412D-A256-E36298DC7F25}" type="slidenum">
+            <a:fld id="{D273B91D-B40D-4327-92D0-6C6DB25BAC3A}" type="slidenum">
               <a:rPr b="0" lang="pt-BR" sz="1800" spc="-1" strike="noStrike">
                 <a:solidFill>
                   <a:srgbClr val="ffffff"/>
@@ -25451,7 +25512,7 @@
                 <a:spcPct val="100000"/>
               </a:lnSpc>
             </a:pPr>
-            <a:fld id="{85EEC996-DDB4-49F4-AA54-A4002BE26ABF}" type="slidenum">
+            <a:fld id="{72989181-F6D1-464B-A5FA-4C9850820AF6}" type="slidenum">
               <a:rPr b="0" lang="pt-BR" sz="1800" spc="-1" strike="noStrike">
                 <a:solidFill>
                   <a:srgbClr val="ffffff"/>
